--- a/Presentación1.pptx
+++ b/Presentación1.pptx
@@ -12,6 +12,8 @@
     <p:sldId id="260" r:id="rId6"/>
     <p:sldId id="261" r:id="rId7"/>
     <p:sldId id="262" r:id="rId8"/>
+    <p:sldId id="263" r:id="rId9"/>
+    <p:sldId id="264" r:id="rId10"/>
   </p:sldIdLst>
   <p:sldSz cx="12192000" cy="6858000"/>
   <p:notesSz cx="6858000" cy="9144000"/>
@@ -110,6 +112,11 @@
       </a:defRPr>
     </a:lvl9pPr>
   </p:defaultTextStyle>
+  <p:extLst>
+    <p:ext uri="{EFAFB233-063F-42B5-8137-9DF3F51BA10A}">
+      <p15:sldGuideLst xmlns:p15="http://schemas.microsoft.com/office/powerpoint/2012/main"/>
+    </p:ext>
+  </p:extLst>
 </p:presentation>
 </file>
 
@@ -10659,6 +10666,541 @@
 </p:sld>
 </file>
 
+<file path=ppt/slides/slide8.xml><?xml version="1.0" encoding="utf-8"?>
+<p:sld xmlns:a="http://schemas.openxmlformats.org/drawingml/2006/main" xmlns:r="http://schemas.openxmlformats.org/officeDocument/2006/relationships" xmlns:p="http://schemas.openxmlformats.org/presentationml/2006/main">
+  <p:cSld>
+    <p:spTree>
+      <p:nvGrpSpPr>
+        <p:cNvPr id="1" name=""/>
+        <p:cNvGrpSpPr/>
+        <p:nvPr/>
+      </p:nvGrpSpPr>
+      <p:grpSpPr>
+        <a:xfrm>
+          <a:off x="0" y="0"/>
+          <a:ext cx="0" cy="0"/>
+          <a:chOff x="0" y="0"/>
+          <a:chExt cx="0" cy="0"/>
+        </a:xfrm>
+      </p:grpSpPr>
+      <p:pic>
+        <p:nvPicPr>
+          <p:cNvPr id="4" name="Imagen 3">
+            <a:extLst>
+              <a:ext uri="{FF2B5EF4-FFF2-40B4-BE49-F238E27FC236}">
+                <a16:creationId xmlns:a16="http://schemas.microsoft.com/office/drawing/2014/main" id="{D2224598-CCFA-4B7C-B439-CA46B6478E52}"/>
+              </a:ext>
+            </a:extLst>
+          </p:cNvPr>
+          <p:cNvPicPr>
+            <a:picLocks noChangeAspect="1"/>
+          </p:cNvPicPr>
+          <p:nvPr/>
+        </p:nvPicPr>
+        <p:blipFill rotWithShape="1">
+          <a:blip r:embed="rId2"/>
+          <a:srcRect l="2028" t="17282" r="7365" b="14578"/>
+          <a:stretch/>
+        </p:blipFill>
+        <p:spPr>
+          <a:xfrm>
+            <a:off x="444842" y="1186250"/>
+            <a:ext cx="11046941" cy="4670854"/>
+          </a:xfrm>
+          <a:prstGeom prst="rect">
+            <a:avLst/>
+          </a:prstGeom>
+        </p:spPr>
+      </p:pic>
+      <p:pic>
+        <p:nvPicPr>
+          <p:cNvPr id="5" name="Imagen 4">
+            <a:extLst>
+              <a:ext uri="{FF2B5EF4-FFF2-40B4-BE49-F238E27FC236}">
+                <a16:creationId xmlns:a16="http://schemas.microsoft.com/office/drawing/2014/main" id="{378A9610-7878-4D9D-BCDE-07C92C9EDEBA}"/>
+              </a:ext>
+            </a:extLst>
+          </p:cNvPr>
+          <p:cNvPicPr>
+            <a:picLocks noChangeAspect="1"/>
+          </p:cNvPicPr>
+          <p:nvPr/>
+        </p:nvPicPr>
+        <p:blipFill rotWithShape="1">
+          <a:blip r:embed="rId3"/>
+          <a:srcRect l="9392" t="17282" r="11216" b="12234"/>
+          <a:stretch/>
+        </p:blipFill>
+        <p:spPr>
+          <a:xfrm>
+            <a:off x="1145058" y="1186250"/>
+            <a:ext cx="9679461" cy="4831491"/>
+          </a:xfrm>
+          <a:prstGeom prst="rect">
+            <a:avLst/>
+          </a:prstGeom>
+        </p:spPr>
+      </p:pic>
+      <p:pic>
+        <p:nvPicPr>
+          <p:cNvPr id="6" name="Imagen 5">
+            <a:extLst>
+              <a:ext uri="{FF2B5EF4-FFF2-40B4-BE49-F238E27FC236}">
+                <a16:creationId xmlns:a16="http://schemas.microsoft.com/office/drawing/2014/main" id="{1C11A335-D55F-486A-8149-E823EF136723}"/>
+              </a:ext>
+            </a:extLst>
+          </p:cNvPr>
+          <p:cNvPicPr>
+            <a:picLocks noChangeAspect="1"/>
+          </p:cNvPicPr>
+          <p:nvPr/>
+        </p:nvPicPr>
+        <p:blipFill rotWithShape="1">
+          <a:blip r:embed="rId4"/>
+          <a:srcRect l="9392" t="17282" r="11216" b="14578"/>
+          <a:stretch/>
+        </p:blipFill>
+        <p:spPr>
+          <a:xfrm>
+            <a:off x="1145058" y="1186250"/>
+            <a:ext cx="9679461" cy="4670854"/>
+          </a:xfrm>
+          <a:prstGeom prst="rect">
+            <a:avLst/>
+          </a:prstGeom>
+        </p:spPr>
+      </p:pic>
+      <p:pic>
+        <p:nvPicPr>
+          <p:cNvPr id="7" name="Imagen 6">
+            <a:extLst>
+              <a:ext uri="{FF2B5EF4-FFF2-40B4-BE49-F238E27FC236}">
+                <a16:creationId xmlns:a16="http://schemas.microsoft.com/office/drawing/2014/main" id="{23FDF6D5-5014-4AD5-87C0-3DF9879AAF5E}"/>
+              </a:ext>
+            </a:extLst>
+          </p:cNvPr>
+          <p:cNvPicPr>
+            <a:picLocks noChangeAspect="1"/>
+          </p:cNvPicPr>
+          <p:nvPr/>
+        </p:nvPicPr>
+        <p:blipFill rotWithShape="1">
+          <a:blip r:embed="rId5"/>
+          <a:srcRect l="9392" t="17282" r="13345" b="12234"/>
+          <a:stretch/>
+        </p:blipFill>
+        <p:spPr>
+          <a:xfrm>
+            <a:off x="1145058" y="1186250"/>
+            <a:ext cx="9419969" cy="4831491"/>
+          </a:xfrm>
+          <a:prstGeom prst="rect">
+            <a:avLst/>
+          </a:prstGeom>
+        </p:spPr>
+      </p:pic>
+    </p:spTree>
+    <p:extLst>
+      <p:ext uri="{BB962C8B-B14F-4D97-AF65-F5344CB8AC3E}">
+        <p14:creationId xmlns:p14="http://schemas.microsoft.com/office/powerpoint/2010/main" val="3436906131"/>
+      </p:ext>
+    </p:extLst>
+  </p:cSld>
+  <p:clrMapOvr>
+    <a:masterClrMapping/>
+  </p:clrMapOvr>
+</p:sld>
+</file>
+
+<file path=ppt/slides/slide9.xml><?xml version="1.0" encoding="utf-8"?>
+<p:sld xmlns:a="http://schemas.openxmlformats.org/drawingml/2006/main" xmlns:r="http://schemas.openxmlformats.org/officeDocument/2006/relationships" xmlns:p="http://schemas.openxmlformats.org/presentationml/2006/main">
+  <p:cSld>
+    <p:spTree>
+      <p:nvGrpSpPr>
+        <p:cNvPr id="1" name=""/>
+        <p:cNvGrpSpPr/>
+        <p:nvPr/>
+      </p:nvGrpSpPr>
+      <p:grpSpPr>
+        <a:xfrm>
+          <a:off x="0" y="0"/>
+          <a:ext cx="0" cy="0"/>
+          <a:chOff x="0" y="0"/>
+          <a:chExt cx="0" cy="0"/>
+        </a:xfrm>
+      </p:grpSpPr>
+      <p:sp>
+        <p:nvSpPr>
+          <p:cNvPr id="4" name="Elipse 3">
+            <a:extLst>
+              <a:ext uri="{FF2B5EF4-FFF2-40B4-BE49-F238E27FC236}">
+                <a16:creationId xmlns:a16="http://schemas.microsoft.com/office/drawing/2014/main" id="{8CD63100-9051-4F1F-8188-C853E6C56CAC}"/>
+              </a:ext>
+            </a:extLst>
+          </p:cNvPr>
+          <p:cNvSpPr/>
+          <p:nvPr/>
+        </p:nvSpPr>
+        <p:spPr>
+          <a:xfrm>
+            <a:off x="4783094" y="1594039"/>
+            <a:ext cx="1717589" cy="939113"/>
+          </a:xfrm>
+          <a:prstGeom prst="ellipse">
+            <a:avLst/>
+          </a:prstGeom>
+          <a:noFill/>
+          <a:ln>
+            <a:solidFill>
+              <a:schemeClr val="tx1"/>
+            </a:solidFill>
+          </a:ln>
+        </p:spPr>
+        <p:style>
+          <a:lnRef idx="2">
+            <a:schemeClr val="accent1">
+              <a:shade val="50000"/>
+            </a:schemeClr>
+          </a:lnRef>
+          <a:fillRef idx="1">
+            <a:schemeClr val="accent1"/>
+          </a:fillRef>
+          <a:effectRef idx="0">
+            <a:schemeClr val="accent1"/>
+          </a:effectRef>
+          <a:fontRef idx="minor">
+            <a:schemeClr val="lt1"/>
+          </a:fontRef>
+        </p:style>
+        <p:txBody>
+          <a:bodyPr rtlCol="0" anchor="ctr"/>
+          <a:lstStyle/>
+          <a:p>
+            <a:pPr algn="ctr"/>
+            <a:r>
+              <a:rPr lang="es-ES" dirty="0" err="1">
+                <a:solidFill>
+                  <a:schemeClr val="tx1"/>
+                </a:solidFill>
+              </a:rPr>
+              <a:t>Loop</a:t>
+            </a:r>
+            <a:endParaRPr lang="es-ES" dirty="0">
+              <a:solidFill>
+                <a:schemeClr val="tx1"/>
+              </a:solidFill>
+            </a:endParaRPr>
+          </a:p>
+        </p:txBody>
+      </p:sp>
+      <p:sp>
+        <p:nvSpPr>
+          <p:cNvPr id="6" name="Elipse 5">
+            <a:extLst>
+              <a:ext uri="{FF2B5EF4-FFF2-40B4-BE49-F238E27FC236}">
+                <a16:creationId xmlns:a16="http://schemas.microsoft.com/office/drawing/2014/main" id="{FB5DADCA-6773-4DFE-8231-31F5957C8E26}"/>
+              </a:ext>
+            </a:extLst>
+          </p:cNvPr>
+          <p:cNvSpPr/>
+          <p:nvPr/>
+        </p:nvSpPr>
+        <p:spPr>
+          <a:xfrm>
+            <a:off x="4783092" y="2632003"/>
+            <a:ext cx="1717589" cy="939113"/>
+          </a:xfrm>
+          <a:prstGeom prst="ellipse">
+            <a:avLst/>
+          </a:prstGeom>
+          <a:noFill/>
+          <a:ln>
+            <a:solidFill>
+              <a:schemeClr val="tx1"/>
+            </a:solidFill>
+          </a:ln>
+        </p:spPr>
+        <p:style>
+          <a:lnRef idx="2">
+            <a:schemeClr val="accent1">
+              <a:shade val="50000"/>
+            </a:schemeClr>
+          </a:lnRef>
+          <a:fillRef idx="1">
+            <a:schemeClr val="accent1"/>
+          </a:fillRef>
+          <a:effectRef idx="0">
+            <a:schemeClr val="accent1"/>
+          </a:effectRef>
+          <a:fontRef idx="minor">
+            <a:schemeClr val="lt1"/>
+          </a:fontRef>
+        </p:style>
+        <p:txBody>
+          <a:bodyPr rtlCol="0" anchor="ctr"/>
+          <a:lstStyle/>
+          <a:p>
+            <a:pPr algn="ctr"/>
+            <a:r>
+              <a:rPr lang="es-ES" dirty="0">
+                <a:solidFill>
+                  <a:schemeClr val="tx1"/>
+                </a:solidFill>
+              </a:rPr>
+              <a:t>Conectar Wifi</a:t>
+            </a:r>
+          </a:p>
+        </p:txBody>
+      </p:sp>
+      <p:sp>
+        <p:nvSpPr>
+          <p:cNvPr id="7" name="Elipse 6">
+            <a:extLst>
+              <a:ext uri="{FF2B5EF4-FFF2-40B4-BE49-F238E27FC236}">
+                <a16:creationId xmlns:a16="http://schemas.microsoft.com/office/drawing/2014/main" id="{68D784A5-1F46-4905-9FCA-C749DA9418FC}"/>
+              </a:ext>
+            </a:extLst>
+          </p:cNvPr>
+          <p:cNvSpPr/>
+          <p:nvPr/>
+        </p:nvSpPr>
+        <p:spPr>
+          <a:xfrm>
+            <a:off x="4783092" y="3651431"/>
+            <a:ext cx="1717589" cy="939113"/>
+          </a:xfrm>
+          <a:prstGeom prst="ellipse">
+            <a:avLst/>
+          </a:prstGeom>
+          <a:noFill/>
+          <a:ln>
+            <a:solidFill>
+              <a:schemeClr val="tx1"/>
+            </a:solidFill>
+          </a:ln>
+        </p:spPr>
+        <p:style>
+          <a:lnRef idx="2">
+            <a:schemeClr val="accent1">
+              <a:shade val="50000"/>
+            </a:schemeClr>
+          </a:lnRef>
+          <a:fillRef idx="1">
+            <a:schemeClr val="accent1"/>
+          </a:fillRef>
+          <a:effectRef idx="0">
+            <a:schemeClr val="accent1"/>
+          </a:effectRef>
+          <a:fontRef idx="minor">
+            <a:schemeClr val="lt1"/>
+          </a:fontRef>
+        </p:style>
+        <p:txBody>
+          <a:bodyPr rtlCol="0" anchor="ctr"/>
+          <a:lstStyle/>
+          <a:p>
+            <a:pPr algn="ctr"/>
+            <a:r>
+              <a:rPr lang="es-ES" dirty="0">
+                <a:solidFill>
+                  <a:schemeClr val="tx1"/>
+                </a:solidFill>
+              </a:rPr>
+              <a:t>Descargar Modelo</a:t>
+            </a:r>
+          </a:p>
+        </p:txBody>
+      </p:sp>
+      <p:sp>
+        <p:nvSpPr>
+          <p:cNvPr id="9" name="Elipse 8">
+            <a:extLst>
+              <a:ext uri="{FF2B5EF4-FFF2-40B4-BE49-F238E27FC236}">
+                <a16:creationId xmlns:a16="http://schemas.microsoft.com/office/drawing/2014/main" id="{E473A81B-CDFB-4642-9AB0-4171EEFCF966}"/>
+              </a:ext>
+            </a:extLst>
+          </p:cNvPr>
+          <p:cNvSpPr/>
+          <p:nvPr/>
+        </p:nvSpPr>
+        <p:spPr>
+          <a:xfrm>
+            <a:off x="4783092" y="4670859"/>
+            <a:ext cx="1717589" cy="939113"/>
+          </a:xfrm>
+          <a:prstGeom prst="ellipse">
+            <a:avLst/>
+          </a:prstGeom>
+          <a:noFill/>
+          <a:ln>
+            <a:solidFill>
+              <a:schemeClr val="tx1"/>
+            </a:solidFill>
+          </a:ln>
+        </p:spPr>
+        <p:style>
+          <a:lnRef idx="2">
+            <a:schemeClr val="accent1">
+              <a:shade val="50000"/>
+            </a:schemeClr>
+          </a:lnRef>
+          <a:fillRef idx="1">
+            <a:schemeClr val="accent1"/>
+          </a:fillRef>
+          <a:effectRef idx="0">
+            <a:schemeClr val="accent1"/>
+          </a:effectRef>
+          <a:fontRef idx="minor">
+            <a:schemeClr val="lt1"/>
+          </a:fontRef>
+        </p:style>
+        <p:txBody>
+          <a:bodyPr rtlCol="0" anchor="ctr"/>
+          <a:lstStyle/>
+          <a:p>
+            <a:pPr algn="ctr"/>
+            <a:r>
+              <a:rPr lang="es-ES" dirty="0">
+                <a:solidFill>
+                  <a:schemeClr val="tx1"/>
+                </a:solidFill>
+              </a:rPr>
+              <a:t>Almacenar Modelo</a:t>
+            </a:r>
+          </a:p>
+        </p:txBody>
+      </p:sp>
+      <p:sp>
+        <p:nvSpPr>
+          <p:cNvPr id="11" name="Elipse 10">
+            <a:extLst>
+              <a:ext uri="{FF2B5EF4-FFF2-40B4-BE49-F238E27FC236}">
+                <a16:creationId xmlns:a16="http://schemas.microsoft.com/office/drawing/2014/main" id="{170EA18B-B268-46BD-B206-118C20F4D64C}"/>
+              </a:ext>
+            </a:extLst>
+          </p:cNvPr>
+          <p:cNvSpPr/>
+          <p:nvPr/>
+        </p:nvSpPr>
+        <p:spPr>
+          <a:xfrm>
+            <a:off x="6016711" y="228600"/>
+            <a:ext cx="1717589" cy="939113"/>
+          </a:xfrm>
+          <a:prstGeom prst="ellipse">
+            <a:avLst/>
+          </a:prstGeom>
+          <a:noFill/>
+          <a:ln>
+            <a:solidFill>
+              <a:schemeClr val="tx1"/>
+            </a:solidFill>
+          </a:ln>
+        </p:spPr>
+        <p:style>
+          <a:lnRef idx="2">
+            <a:schemeClr val="accent1">
+              <a:shade val="50000"/>
+            </a:schemeClr>
+          </a:lnRef>
+          <a:fillRef idx="1">
+            <a:schemeClr val="accent1"/>
+          </a:fillRef>
+          <a:effectRef idx="0">
+            <a:schemeClr val="accent1"/>
+          </a:effectRef>
+          <a:fontRef idx="minor">
+            <a:schemeClr val="lt1"/>
+          </a:fontRef>
+        </p:style>
+        <p:txBody>
+          <a:bodyPr rtlCol="0" anchor="ctr"/>
+          <a:lstStyle/>
+          <a:p>
+            <a:pPr algn="ctr"/>
+            <a:r>
+              <a:rPr lang="es-ES" dirty="0">
+                <a:solidFill>
+                  <a:schemeClr val="tx1"/>
+                </a:solidFill>
+              </a:rPr>
+              <a:t>Web</a:t>
+            </a:r>
+          </a:p>
+        </p:txBody>
+      </p:sp>
+      <p:sp>
+        <p:nvSpPr>
+          <p:cNvPr id="12" name="Elipse 11">
+            <a:extLst>
+              <a:ext uri="{FF2B5EF4-FFF2-40B4-BE49-F238E27FC236}">
+                <a16:creationId xmlns:a16="http://schemas.microsoft.com/office/drawing/2014/main" id="{AA6DC8AB-85EF-4D45-B276-E31C67E9257E}"/>
+              </a:ext>
+            </a:extLst>
+          </p:cNvPr>
+          <p:cNvSpPr/>
+          <p:nvPr/>
+        </p:nvSpPr>
+        <p:spPr>
+          <a:xfrm>
+            <a:off x="4783092" y="5690287"/>
+            <a:ext cx="1717589" cy="939113"/>
+          </a:xfrm>
+          <a:prstGeom prst="ellipse">
+            <a:avLst/>
+          </a:prstGeom>
+          <a:noFill/>
+          <a:ln>
+            <a:solidFill>
+              <a:schemeClr val="tx1"/>
+            </a:solidFill>
+          </a:ln>
+        </p:spPr>
+        <p:style>
+          <a:lnRef idx="2">
+            <a:schemeClr val="accent1">
+              <a:shade val="50000"/>
+            </a:schemeClr>
+          </a:lnRef>
+          <a:fillRef idx="1">
+            <a:schemeClr val="accent1"/>
+          </a:fillRef>
+          <a:effectRef idx="0">
+            <a:schemeClr val="accent1"/>
+          </a:effectRef>
+          <a:fontRef idx="minor">
+            <a:schemeClr val="lt1"/>
+          </a:fontRef>
+        </p:style>
+        <p:txBody>
+          <a:bodyPr rtlCol="0" anchor="ctr"/>
+          <a:lstStyle/>
+          <a:p>
+            <a:pPr algn="ctr"/>
+            <a:r>
+              <a:rPr lang="es-ES" dirty="0">
+                <a:solidFill>
+                  <a:schemeClr val="tx1"/>
+                </a:solidFill>
+              </a:rPr>
+              <a:t>Reiniciar ESP32</a:t>
+            </a:r>
+          </a:p>
+        </p:txBody>
+      </p:sp>
+    </p:spTree>
+    <p:extLst>
+      <p:ext uri="{BB962C8B-B14F-4D97-AF65-F5344CB8AC3E}">
+        <p14:creationId xmlns:p14="http://schemas.microsoft.com/office/powerpoint/2010/main" val="1129985414"/>
+      </p:ext>
+    </p:extLst>
+  </p:cSld>
+  <p:clrMapOvr>
+    <a:masterClrMapping/>
+  </p:clrMapOvr>
+</p:sld>
+</file>
+
 <file path=ppt/theme/theme1.xml><?xml version="1.0" encoding="utf-8"?>
 <a:theme xmlns:a="http://schemas.openxmlformats.org/drawingml/2006/main" name="Tema de Office">
   <a:themeElements>

--- a/Presentación1.pptx
+++ b/Presentación1.pptx
@@ -14,6 +14,9 @@
     <p:sldId id="262" r:id="rId8"/>
     <p:sldId id="263" r:id="rId9"/>
     <p:sldId id="264" r:id="rId10"/>
+    <p:sldId id="265" r:id="rId11"/>
+    <p:sldId id="266" r:id="rId12"/>
+    <p:sldId id="267" r:id="rId13"/>
   </p:sldIdLst>
   <p:sldSz cx="12192000" cy="6858000"/>
   <p:notesSz cx="6858000" cy="9144000"/>
@@ -267,7 +270,7 @@
           <a:p>
             <a:fld id="{A9900BFC-E2E8-4146-986D-2BA24E13E9FA}" type="datetimeFigureOut">
               <a:rPr lang="es-ES" smtClean="0"/>
-              <a:t>07/11/2023</a:t>
+              <a:t>08/11/2023</a:t>
             </a:fld>
             <a:endParaRPr lang="es-ES"/>
           </a:p>
@@ -465,7 +468,7 @@
           <a:p>
             <a:fld id="{A9900BFC-E2E8-4146-986D-2BA24E13E9FA}" type="datetimeFigureOut">
               <a:rPr lang="es-ES" smtClean="0"/>
-              <a:t>07/11/2023</a:t>
+              <a:t>08/11/2023</a:t>
             </a:fld>
             <a:endParaRPr lang="es-ES"/>
           </a:p>
@@ -673,7 +676,7 @@
           <a:p>
             <a:fld id="{A9900BFC-E2E8-4146-986D-2BA24E13E9FA}" type="datetimeFigureOut">
               <a:rPr lang="es-ES" smtClean="0"/>
-              <a:t>07/11/2023</a:t>
+              <a:t>08/11/2023</a:t>
             </a:fld>
             <a:endParaRPr lang="es-ES"/>
           </a:p>
@@ -871,7 +874,7 @@
           <a:p>
             <a:fld id="{A9900BFC-E2E8-4146-986D-2BA24E13E9FA}" type="datetimeFigureOut">
               <a:rPr lang="es-ES" smtClean="0"/>
-              <a:t>07/11/2023</a:t>
+              <a:t>08/11/2023</a:t>
             </a:fld>
             <a:endParaRPr lang="es-ES"/>
           </a:p>
@@ -1146,7 +1149,7 @@
           <a:p>
             <a:fld id="{A9900BFC-E2E8-4146-986D-2BA24E13E9FA}" type="datetimeFigureOut">
               <a:rPr lang="es-ES" smtClean="0"/>
-              <a:t>07/11/2023</a:t>
+              <a:t>08/11/2023</a:t>
             </a:fld>
             <a:endParaRPr lang="es-ES"/>
           </a:p>
@@ -1411,7 +1414,7 @@
           <a:p>
             <a:fld id="{A9900BFC-E2E8-4146-986D-2BA24E13E9FA}" type="datetimeFigureOut">
               <a:rPr lang="es-ES" smtClean="0"/>
-              <a:t>07/11/2023</a:t>
+              <a:t>08/11/2023</a:t>
             </a:fld>
             <a:endParaRPr lang="es-ES"/>
           </a:p>
@@ -1823,7 +1826,7 @@
           <a:p>
             <a:fld id="{A9900BFC-E2E8-4146-986D-2BA24E13E9FA}" type="datetimeFigureOut">
               <a:rPr lang="es-ES" smtClean="0"/>
-              <a:t>07/11/2023</a:t>
+              <a:t>08/11/2023</a:t>
             </a:fld>
             <a:endParaRPr lang="es-ES"/>
           </a:p>
@@ -1964,7 +1967,7 @@
           <a:p>
             <a:fld id="{A9900BFC-E2E8-4146-986D-2BA24E13E9FA}" type="datetimeFigureOut">
               <a:rPr lang="es-ES" smtClean="0"/>
-              <a:t>07/11/2023</a:t>
+              <a:t>08/11/2023</a:t>
             </a:fld>
             <a:endParaRPr lang="es-ES"/>
           </a:p>
@@ -2077,7 +2080,7 @@
           <a:p>
             <a:fld id="{A9900BFC-E2E8-4146-986D-2BA24E13E9FA}" type="datetimeFigureOut">
               <a:rPr lang="es-ES" smtClean="0"/>
-              <a:t>07/11/2023</a:t>
+              <a:t>08/11/2023</a:t>
             </a:fld>
             <a:endParaRPr lang="es-ES"/>
           </a:p>
@@ -2388,7 +2391,7 @@
           <a:p>
             <a:fld id="{A9900BFC-E2E8-4146-986D-2BA24E13E9FA}" type="datetimeFigureOut">
               <a:rPr lang="es-ES" smtClean="0"/>
-              <a:t>07/11/2023</a:t>
+              <a:t>08/11/2023</a:t>
             </a:fld>
             <a:endParaRPr lang="es-ES"/>
           </a:p>
@@ -2676,7 +2679,7 @@
           <a:p>
             <a:fld id="{A9900BFC-E2E8-4146-986D-2BA24E13E9FA}" type="datetimeFigureOut">
               <a:rPr lang="es-ES" smtClean="0"/>
-              <a:t>07/11/2023</a:t>
+              <a:t>08/11/2023</a:t>
             </a:fld>
             <a:endParaRPr lang="es-ES"/>
           </a:p>
@@ -2917,7 +2920,7 @@
           <a:p>
             <a:fld id="{A9900BFC-E2E8-4146-986D-2BA24E13E9FA}" type="datetimeFigureOut">
               <a:rPr lang="es-ES" smtClean="0"/>
-              <a:t>07/11/2023</a:t>
+              <a:t>08/11/2023</a:t>
             </a:fld>
             <a:endParaRPr lang="es-ES"/>
           </a:p>
@@ -3834,6 +3837,805 @@
 </p:sld>
 </file>
 
+<file path=ppt/slides/slide10.xml><?xml version="1.0" encoding="utf-8"?>
+<p:sld xmlns:a="http://schemas.openxmlformats.org/drawingml/2006/main" xmlns:r="http://schemas.openxmlformats.org/officeDocument/2006/relationships" xmlns:p="http://schemas.openxmlformats.org/presentationml/2006/main">
+  <p:cSld>
+    <p:spTree>
+      <p:nvGrpSpPr>
+        <p:cNvPr id="1" name=""/>
+        <p:cNvGrpSpPr/>
+        <p:nvPr/>
+      </p:nvGrpSpPr>
+      <p:grpSpPr>
+        <a:xfrm>
+          <a:off x="0" y="0"/>
+          <a:ext cx="0" cy="0"/>
+          <a:chOff x="0" y="0"/>
+          <a:chExt cx="0" cy="0"/>
+        </a:xfrm>
+      </p:grpSpPr>
+      <p:pic>
+        <p:nvPicPr>
+          <p:cNvPr id="5" name="Imagen 4">
+            <a:extLst>
+              <a:ext uri="{FF2B5EF4-FFF2-40B4-BE49-F238E27FC236}">
+                <a16:creationId xmlns:a16="http://schemas.microsoft.com/office/drawing/2014/main" id="{8B013106-F9D7-4ABB-A0DD-D2FEBB4BBFDB}"/>
+              </a:ext>
+            </a:extLst>
+          </p:cNvPr>
+          <p:cNvPicPr>
+            <a:picLocks noChangeAspect="1"/>
+          </p:cNvPicPr>
+          <p:nvPr/>
+        </p:nvPicPr>
+        <p:blipFill rotWithShape="1">
+          <a:blip r:embed="rId2"/>
+          <a:srcRect l="18953" t="14938" r="5439" b="38913"/>
+          <a:stretch/>
+        </p:blipFill>
+        <p:spPr>
+          <a:xfrm>
+            <a:off x="2310714" y="1025612"/>
+            <a:ext cx="9218140" cy="3163330"/>
+          </a:xfrm>
+          <a:prstGeom prst="rect">
+            <a:avLst/>
+          </a:prstGeom>
+        </p:spPr>
+      </p:pic>
+    </p:spTree>
+    <p:extLst>
+      <p:ext uri="{BB962C8B-B14F-4D97-AF65-F5344CB8AC3E}">
+        <p14:creationId xmlns:p14="http://schemas.microsoft.com/office/powerpoint/2010/main" val="543720962"/>
+      </p:ext>
+    </p:extLst>
+  </p:cSld>
+  <p:clrMapOvr>
+    <a:masterClrMapping/>
+  </p:clrMapOvr>
+</p:sld>
+</file>
+
+<file path=ppt/slides/slide11.xml><?xml version="1.0" encoding="utf-8"?>
+<p:sld xmlns:a="http://schemas.openxmlformats.org/drawingml/2006/main" xmlns:r="http://schemas.openxmlformats.org/officeDocument/2006/relationships" xmlns:p="http://schemas.openxmlformats.org/presentationml/2006/main">
+  <p:cSld>
+    <p:spTree>
+      <p:nvGrpSpPr>
+        <p:cNvPr id="1" name=""/>
+        <p:cNvGrpSpPr/>
+        <p:nvPr/>
+      </p:nvGrpSpPr>
+      <p:grpSpPr>
+        <a:xfrm>
+          <a:off x="0" y="0"/>
+          <a:ext cx="0" cy="0"/>
+          <a:chOff x="0" y="0"/>
+          <a:chExt cx="0" cy="0"/>
+        </a:xfrm>
+      </p:grpSpPr>
+      <p:sp>
+        <p:nvSpPr>
+          <p:cNvPr id="3" name="Marcador de contenido 2">
+            <a:extLst>
+              <a:ext uri="{FF2B5EF4-FFF2-40B4-BE49-F238E27FC236}">
+                <a16:creationId xmlns:a16="http://schemas.microsoft.com/office/drawing/2014/main" id="{0DDBEE3A-8C70-48AC-9985-D81EEE6B4DC5}"/>
+              </a:ext>
+            </a:extLst>
+          </p:cNvPr>
+          <p:cNvSpPr>
+            <a:spLocks noGrp="1"/>
+          </p:cNvSpPr>
+          <p:nvPr>
+            <p:ph idx="1"/>
+          </p:nvPr>
+        </p:nvSpPr>
+        <p:spPr/>
+        <p:txBody>
+          <a:bodyPr/>
+          <a:lstStyle/>
+          <a:p>
+            <a:endParaRPr lang="es-ES" dirty="0"/>
+          </a:p>
+        </p:txBody>
+      </p:sp>
+      <p:sp>
+        <p:nvSpPr>
+          <p:cNvPr id="4" name="Rectángulo 3">
+            <a:extLst>
+              <a:ext uri="{FF2B5EF4-FFF2-40B4-BE49-F238E27FC236}">
+                <a16:creationId xmlns:a16="http://schemas.microsoft.com/office/drawing/2014/main" id="{3D603AC3-830E-40E3-BE90-7BFF7C8EB771}"/>
+              </a:ext>
+            </a:extLst>
+          </p:cNvPr>
+          <p:cNvSpPr/>
+          <p:nvPr/>
+        </p:nvSpPr>
+        <p:spPr>
+          <a:xfrm>
+            <a:off x="3048000" y="-2711142"/>
+            <a:ext cx="6096000" cy="12280285"/>
+          </a:xfrm>
+          <a:prstGeom prst="rect">
+            <a:avLst/>
+          </a:prstGeom>
+        </p:spPr>
+        <p:txBody>
+          <a:bodyPr>
+            <a:spAutoFit/>
+          </a:bodyPr>
+          <a:lstStyle/>
+          <a:p>
+            <a:r>
+              <a:rPr lang="es-ES" dirty="0"/>
+              <a:t>Trial 5 Complete [00h 00m 14s]</a:t>
+            </a:r>
+          </a:p>
+          <a:p>
+            <a:r>
+              <a:rPr lang="es-ES" dirty="0" err="1"/>
+              <a:t>val_accuracy</a:t>
+            </a:r>
+            <a:r>
+              <a:rPr lang="es-ES" dirty="0"/>
+              <a:t>: 0.8599999845027924</a:t>
+            </a:r>
+          </a:p>
+          <a:p>
+            <a:endParaRPr lang="es-ES" dirty="0"/>
+          </a:p>
+          <a:p>
+            <a:r>
+              <a:rPr lang="es-ES" dirty="0" err="1"/>
+              <a:t>Best</a:t>
+            </a:r>
+            <a:r>
+              <a:rPr lang="es-ES" dirty="0"/>
+              <a:t> </a:t>
+            </a:r>
+            <a:r>
+              <a:rPr lang="es-ES" dirty="0" err="1"/>
+              <a:t>val_accuracy</a:t>
+            </a:r>
+            <a:r>
+              <a:rPr lang="es-ES" dirty="0"/>
+              <a:t> So Far: 0.9900000095367432</a:t>
+            </a:r>
+          </a:p>
+          <a:p>
+            <a:r>
+              <a:rPr lang="es-ES" dirty="0"/>
+              <a:t>Total </a:t>
+            </a:r>
+            <a:r>
+              <a:rPr lang="es-ES" dirty="0" err="1"/>
+              <a:t>elapsed</a:t>
+            </a:r>
+            <a:r>
+              <a:rPr lang="es-ES" dirty="0"/>
+              <a:t> time: 00h 01m 05s</a:t>
+            </a:r>
+          </a:p>
+          <a:p>
+            <a:r>
+              <a:rPr lang="es-ES" dirty="0" err="1"/>
+              <a:t>Hyperband</a:t>
+            </a:r>
+            <a:endParaRPr lang="es-ES" dirty="0"/>
+          </a:p>
+          <a:p>
+            <a:r>
+              <a:rPr lang="es-ES" dirty="0"/>
+              <a:t>{'units_0': 288, '</a:t>
+            </a:r>
+            <a:r>
+              <a:rPr lang="es-ES" dirty="0" err="1"/>
+              <a:t>activation</a:t>
+            </a:r>
+            <a:r>
+              <a:rPr lang="es-ES" dirty="0"/>
+              <a:t>': '</a:t>
+            </a:r>
+            <a:r>
+              <a:rPr lang="es-ES" dirty="0" err="1"/>
+              <a:t>tanh</a:t>
+            </a:r>
+            <a:r>
+              <a:rPr lang="es-ES" dirty="0"/>
+              <a:t>', '</a:t>
+            </a:r>
+            <a:r>
+              <a:rPr lang="es-ES" dirty="0" err="1"/>
+              <a:t>dropout</a:t>
+            </a:r>
+            <a:r>
+              <a:rPr lang="es-ES" dirty="0"/>
+              <a:t>': False, '</a:t>
+            </a:r>
+            <a:r>
+              <a:rPr lang="es-ES" dirty="0" err="1"/>
+              <a:t>learning_rate</a:t>
+            </a:r>
+            <a:r>
+              <a:rPr lang="es-ES" dirty="0"/>
+              <a:t>': 0.01, '</a:t>
+            </a:r>
+            <a:r>
+              <a:rPr lang="es-ES" dirty="0" err="1"/>
+              <a:t>tuner</a:t>
+            </a:r>
+            <a:r>
+              <a:rPr lang="es-ES" dirty="0"/>
+              <a:t>/</a:t>
+            </a:r>
+            <a:r>
+              <a:rPr lang="es-ES" dirty="0" err="1"/>
+              <a:t>epochs</a:t>
+            </a:r>
+            <a:r>
+              <a:rPr lang="es-ES" dirty="0"/>
+              <a:t>': 50, '</a:t>
+            </a:r>
+            <a:r>
+              <a:rPr lang="es-ES" dirty="0" err="1"/>
+              <a:t>tuner</a:t>
+            </a:r>
+            <a:r>
+              <a:rPr lang="es-ES" dirty="0"/>
+              <a:t>/</a:t>
+            </a:r>
+            <a:r>
+              <a:rPr lang="es-ES" dirty="0" err="1"/>
+              <a:t>initial_epoch</a:t>
+            </a:r>
+            <a:r>
+              <a:rPr lang="es-ES" dirty="0"/>
+              <a:t>': 17, '</a:t>
+            </a:r>
+            <a:r>
+              <a:rPr lang="es-ES" dirty="0" err="1"/>
+              <a:t>tuner</a:t>
+            </a:r>
+            <a:r>
+              <a:rPr lang="es-ES" dirty="0"/>
+              <a:t>/bracket': 3, '</a:t>
+            </a:r>
+            <a:r>
+              <a:rPr lang="es-ES" dirty="0" err="1"/>
+              <a:t>tuner</a:t>
+            </a:r>
+            <a:r>
+              <a:rPr lang="es-ES" dirty="0"/>
+              <a:t>/round': 3, '</a:t>
+            </a:r>
+            <a:r>
+              <a:rPr lang="es-ES" dirty="0" err="1"/>
+              <a:t>tuner</a:t>
+            </a:r>
+            <a:r>
+              <a:rPr lang="es-ES" dirty="0"/>
+              <a:t>/</a:t>
+            </a:r>
+            <a:r>
+              <a:rPr lang="es-ES" dirty="0" err="1"/>
+              <a:t>trial_id</a:t>
+            </a:r>
+            <a:r>
+              <a:rPr lang="es-ES" dirty="0"/>
+              <a:t>': '0046'}</a:t>
+            </a:r>
+          </a:p>
+          <a:p>
+            <a:r>
+              <a:rPr lang="es-ES" dirty="0" err="1"/>
+              <a:t>Model</a:t>
+            </a:r>
+            <a:r>
+              <a:rPr lang="es-ES" dirty="0"/>
+              <a:t>: "sequential_1"</a:t>
+            </a:r>
+          </a:p>
+          <a:p>
+            <a:r>
+              <a:rPr lang="es-ES" dirty="0"/>
+              <a:t>_________________________________________________________________</a:t>
+            </a:r>
+          </a:p>
+          <a:p>
+            <a:r>
+              <a:rPr lang="es-ES" dirty="0"/>
+              <a:t> </a:t>
+            </a:r>
+            <a:r>
+              <a:rPr lang="es-ES" dirty="0" err="1"/>
+              <a:t>Layer</a:t>
+            </a:r>
+            <a:r>
+              <a:rPr lang="es-ES" dirty="0"/>
+              <a:t> (</a:t>
+            </a:r>
+            <a:r>
+              <a:rPr lang="es-ES" dirty="0" err="1"/>
+              <a:t>type</a:t>
+            </a:r>
+            <a:r>
+              <a:rPr lang="es-ES" dirty="0"/>
+              <a:t>)                Output </a:t>
+            </a:r>
+            <a:r>
+              <a:rPr lang="es-ES" dirty="0" err="1"/>
+              <a:t>Shape</a:t>
+            </a:r>
+            <a:r>
+              <a:rPr lang="es-ES" dirty="0"/>
+              <a:t>              </a:t>
+            </a:r>
+            <a:r>
+              <a:rPr lang="es-ES" dirty="0" err="1"/>
+              <a:t>Param</a:t>
+            </a:r>
+            <a:r>
+              <a:rPr lang="es-ES" dirty="0"/>
+              <a:t> #</a:t>
+            </a:r>
+          </a:p>
+          <a:p>
+            <a:r>
+              <a:rPr lang="es-ES" dirty="0"/>
+              <a:t>=================================================================</a:t>
+            </a:r>
+          </a:p>
+          <a:p>
+            <a:r>
+              <a:rPr lang="es-ES" dirty="0"/>
+              <a:t> dense_2 (Dense)             (</a:t>
+            </a:r>
+            <a:r>
+              <a:rPr lang="es-ES" dirty="0" err="1"/>
+              <a:t>None</a:t>
+            </a:r>
+            <a:r>
+              <a:rPr lang="es-ES" dirty="0"/>
+              <a:t>, 288)               5472</a:t>
+            </a:r>
+          </a:p>
+          <a:p>
+            <a:endParaRPr lang="es-ES" dirty="0"/>
+          </a:p>
+          <a:p>
+            <a:r>
+              <a:rPr lang="es-ES" dirty="0"/>
+              <a:t> dense_3 (Dense)             (</a:t>
+            </a:r>
+            <a:r>
+              <a:rPr lang="es-ES" dirty="0" err="1"/>
+              <a:t>None</a:t>
+            </a:r>
+            <a:r>
+              <a:rPr lang="es-ES" dirty="0"/>
+              <a:t>, 5)                 1445</a:t>
+            </a:r>
+          </a:p>
+          <a:p>
+            <a:endParaRPr lang="es-ES" dirty="0"/>
+          </a:p>
+          <a:p>
+            <a:r>
+              <a:rPr lang="es-ES" dirty="0"/>
+              <a:t>=================================================================</a:t>
+            </a:r>
+          </a:p>
+          <a:p>
+            <a:r>
+              <a:rPr lang="es-ES" dirty="0"/>
+              <a:t>Total </a:t>
+            </a:r>
+            <a:r>
+              <a:rPr lang="es-ES" dirty="0" err="1"/>
+              <a:t>params</a:t>
+            </a:r>
+            <a:r>
+              <a:rPr lang="es-ES" dirty="0"/>
+              <a:t>: 6917 (27.02 KB)</a:t>
+            </a:r>
+          </a:p>
+          <a:p>
+            <a:r>
+              <a:rPr lang="es-ES" dirty="0" err="1"/>
+              <a:t>Trainable</a:t>
+            </a:r>
+            <a:r>
+              <a:rPr lang="es-ES" dirty="0"/>
+              <a:t> </a:t>
+            </a:r>
+            <a:r>
+              <a:rPr lang="es-ES" dirty="0" err="1"/>
+              <a:t>params</a:t>
+            </a:r>
+            <a:r>
+              <a:rPr lang="es-ES" dirty="0"/>
+              <a:t>: 6917 (27.02 KB)</a:t>
+            </a:r>
+          </a:p>
+          <a:p>
+            <a:r>
+              <a:rPr lang="es-ES" dirty="0"/>
+              <a:t>Non-</a:t>
+            </a:r>
+            <a:r>
+              <a:rPr lang="es-ES" dirty="0" err="1"/>
+              <a:t>trainable</a:t>
+            </a:r>
+            <a:r>
+              <a:rPr lang="es-ES" dirty="0"/>
+              <a:t> </a:t>
+            </a:r>
+            <a:r>
+              <a:rPr lang="es-ES" dirty="0" err="1"/>
+              <a:t>params</a:t>
+            </a:r>
+            <a:r>
+              <a:rPr lang="es-ES" dirty="0"/>
+              <a:t>: 0 (0.00 Byte)</a:t>
+            </a:r>
+          </a:p>
+          <a:p>
+            <a:r>
+              <a:rPr lang="es-ES" dirty="0"/>
+              <a:t>_________________________________________________________________</a:t>
+            </a:r>
+          </a:p>
+          <a:p>
+            <a:r>
+              <a:rPr lang="es-ES" dirty="0" err="1"/>
+              <a:t>RandomSearch</a:t>
+            </a:r>
+            <a:endParaRPr lang="es-ES" dirty="0"/>
+          </a:p>
+          <a:p>
+            <a:r>
+              <a:rPr lang="es-ES" dirty="0"/>
+              <a:t>{'units_0': 224, '</a:t>
+            </a:r>
+            <a:r>
+              <a:rPr lang="es-ES" dirty="0" err="1"/>
+              <a:t>activation</a:t>
+            </a:r>
+            <a:r>
+              <a:rPr lang="es-ES" dirty="0"/>
+              <a:t>': '</a:t>
+            </a:r>
+            <a:r>
+              <a:rPr lang="es-ES" dirty="0" err="1"/>
+              <a:t>relu</a:t>
+            </a:r>
+            <a:r>
+              <a:rPr lang="es-ES" dirty="0"/>
+              <a:t>', '</a:t>
+            </a:r>
+            <a:r>
+              <a:rPr lang="es-ES" dirty="0" err="1"/>
+              <a:t>dropout</a:t>
+            </a:r>
+            <a:r>
+              <a:rPr lang="es-ES" dirty="0"/>
+              <a:t>': False, '</a:t>
+            </a:r>
+            <a:r>
+              <a:rPr lang="es-ES" dirty="0" err="1"/>
+              <a:t>learning_rate</a:t>
+            </a:r>
+            <a:r>
+              <a:rPr lang="es-ES" dirty="0"/>
+              <a:t>': 0.01}</a:t>
+            </a:r>
+          </a:p>
+          <a:p>
+            <a:r>
+              <a:rPr lang="es-ES" dirty="0" err="1"/>
+              <a:t>Model</a:t>
+            </a:r>
+            <a:r>
+              <a:rPr lang="es-ES" dirty="0"/>
+              <a:t>: "sequential_2"</a:t>
+            </a:r>
+          </a:p>
+          <a:p>
+            <a:r>
+              <a:rPr lang="es-ES" dirty="0"/>
+              <a:t>_________________________________________________________________</a:t>
+            </a:r>
+          </a:p>
+          <a:p>
+            <a:r>
+              <a:rPr lang="es-ES" dirty="0"/>
+              <a:t> </a:t>
+            </a:r>
+            <a:r>
+              <a:rPr lang="es-ES" dirty="0" err="1"/>
+              <a:t>Layer</a:t>
+            </a:r>
+            <a:r>
+              <a:rPr lang="es-ES" dirty="0"/>
+              <a:t> (</a:t>
+            </a:r>
+            <a:r>
+              <a:rPr lang="es-ES" dirty="0" err="1"/>
+              <a:t>type</a:t>
+            </a:r>
+            <a:r>
+              <a:rPr lang="es-ES" dirty="0"/>
+              <a:t>)                Output </a:t>
+            </a:r>
+            <a:r>
+              <a:rPr lang="es-ES" dirty="0" err="1"/>
+              <a:t>Shape</a:t>
+            </a:r>
+            <a:r>
+              <a:rPr lang="es-ES" dirty="0"/>
+              <a:t>              </a:t>
+            </a:r>
+            <a:r>
+              <a:rPr lang="es-ES" dirty="0" err="1"/>
+              <a:t>Param</a:t>
+            </a:r>
+            <a:r>
+              <a:rPr lang="es-ES" dirty="0"/>
+              <a:t> #</a:t>
+            </a:r>
+          </a:p>
+          <a:p>
+            <a:r>
+              <a:rPr lang="es-ES" dirty="0"/>
+              <a:t>=================================================================</a:t>
+            </a:r>
+          </a:p>
+          <a:p>
+            <a:r>
+              <a:rPr lang="es-ES" dirty="0"/>
+              <a:t> dense_4 (Dense)             (</a:t>
+            </a:r>
+            <a:r>
+              <a:rPr lang="es-ES" dirty="0" err="1"/>
+              <a:t>None</a:t>
+            </a:r>
+            <a:r>
+              <a:rPr lang="es-ES" dirty="0"/>
+              <a:t>, 224)               4256</a:t>
+            </a:r>
+          </a:p>
+          <a:p>
+            <a:endParaRPr lang="es-ES" dirty="0"/>
+          </a:p>
+          <a:p>
+            <a:r>
+              <a:rPr lang="es-ES" dirty="0"/>
+              <a:t> dense_5 (Dense)             (</a:t>
+            </a:r>
+            <a:r>
+              <a:rPr lang="es-ES" dirty="0" err="1"/>
+              <a:t>None</a:t>
+            </a:r>
+            <a:r>
+              <a:rPr lang="es-ES" dirty="0"/>
+              <a:t>, 5)                 1125</a:t>
+            </a:r>
+          </a:p>
+          <a:p>
+            <a:endParaRPr lang="es-ES" dirty="0"/>
+          </a:p>
+          <a:p>
+            <a:r>
+              <a:rPr lang="es-ES" dirty="0"/>
+              <a:t>=================================================================</a:t>
+            </a:r>
+          </a:p>
+          <a:p>
+            <a:r>
+              <a:rPr lang="es-ES" dirty="0"/>
+              <a:t>Total </a:t>
+            </a:r>
+            <a:r>
+              <a:rPr lang="es-ES" dirty="0" err="1"/>
+              <a:t>params</a:t>
+            </a:r>
+            <a:r>
+              <a:rPr lang="es-ES" dirty="0"/>
+              <a:t>: 5381 (21.02 KB)</a:t>
+            </a:r>
+          </a:p>
+          <a:p>
+            <a:r>
+              <a:rPr lang="es-ES" dirty="0" err="1"/>
+              <a:t>Trainable</a:t>
+            </a:r>
+            <a:r>
+              <a:rPr lang="es-ES" dirty="0"/>
+              <a:t> </a:t>
+            </a:r>
+            <a:r>
+              <a:rPr lang="es-ES" dirty="0" err="1"/>
+              <a:t>params</a:t>
+            </a:r>
+            <a:r>
+              <a:rPr lang="es-ES" dirty="0"/>
+              <a:t>: 5381 (21.02 KB)</a:t>
+            </a:r>
+          </a:p>
+          <a:p>
+            <a:r>
+              <a:rPr lang="es-ES" dirty="0"/>
+              <a:t>Non-</a:t>
+            </a:r>
+            <a:r>
+              <a:rPr lang="es-ES" dirty="0" err="1"/>
+              <a:t>trainable</a:t>
+            </a:r>
+            <a:r>
+              <a:rPr lang="es-ES" dirty="0"/>
+              <a:t> </a:t>
+            </a:r>
+            <a:r>
+              <a:rPr lang="es-ES" dirty="0" err="1"/>
+              <a:t>params</a:t>
+            </a:r>
+            <a:r>
+              <a:rPr lang="es-ES" dirty="0"/>
+              <a:t>: 0 (0.00 Byte)</a:t>
+            </a:r>
+          </a:p>
+        </p:txBody>
+      </p:sp>
+    </p:spTree>
+    <p:extLst>
+      <p:ext uri="{BB962C8B-B14F-4D97-AF65-F5344CB8AC3E}">
+        <p14:creationId xmlns:p14="http://schemas.microsoft.com/office/powerpoint/2010/main" val="1695274675"/>
+      </p:ext>
+    </p:extLst>
+  </p:cSld>
+  <p:clrMapOvr>
+    <a:masterClrMapping/>
+  </p:clrMapOvr>
+</p:sld>
+</file>
+
+<file path=ppt/slides/slide12.xml><?xml version="1.0" encoding="utf-8"?>
+<p:sld xmlns:a="http://schemas.openxmlformats.org/drawingml/2006/main" xmlns:r="http://schemas.openxmlformats.org/officeDocument/2006/relationships" xmlns:p="http://schemas.openxmlformats.org/presentationml/2006/main">
+  <p:cSld>
+    <p:spTree>
+      <p:nvGrpSpPr>
+        <p:cNvPr id="1" name=""/>
+        <p:cNvGrpSpPr/>
+        <p:nvPr/>
+      </p:nvGrpSpPr>
+      <p:grpSpPr>
+        <a:xfrm>
+          <a:off x="0" y="0"/>
+          <a:ext cx="0" cy="0"/>
+          <a:chOff x="0" y="0"/>
+          <a:chExt cx="0" cy="0"/>
+        </a:xfrm>
+      </p:grpSpPr>
+      <p:sp>
+        <p:nvSpPr>
+          <p:cNvPr id="2" name="Título 1">
+            <a:extLst>
+              <a:ext uri="{FF2B5EF4-FFF2-40B4-BE49-F238E27FC236}">
+                <a16:creationId xmlns:a16="http://schemas.microsoft.com/office/drawing/2014/main" id="{67A1440F-99A2-4B0B-9D98-A1D342AFF670}"/>
+              </a:ext>
+            </a:extLst>
+          </p:cNvPr>
+          <p:cNvSpPr>
+            <a:spLocks noGrp="1"/>
+          </p:cNvSpPr>
+          <p:nvPr>
+            <p:ph type="title"/>
+          </p:nvPr>
+        </p:nvSpPr>
+        <p:spPr/>
+        <p:txBody>
+          <a:bodyPr/>
+          <a:lstStyle/>
+          <a:p>
+            <a:endParaRPr lang="es-ES"/>
+          </a:p>
+        </p:txBody>
+      </p:sp>
+      <p:sp>
+        <p:nvSpPr>
+          <p:cNvPr id="3" name="Marcador de contenido 2">
+            <a:extLst>
+              <a:ext uri="{FF2B5EF4-FFF2-40B4-BE49-F238E27FC236}">
+                <a16:creationId xmlns:a16="http://schemas.microsoft.com/office/drawing/2014/main" id="{363238B9-6780-4A12-82AF-726B7D6F236C}"/>
+              </a:ext>
+            </a:extLst>
+          </p:cNvPr>
+          <p:cNvSpPr>
+            <a:spLocks noGrp="1"/>
+          </p:cNvSpPr>
+          <p:nvPr>
+            <p:ph idx="1"/>
+          </p:nvPr>
+        </p:nvSpPr>
+        <p:spPr/>
+        <p:txBody>
+          <a:bodyPr/>
+          <a:lstStyle/>
+          <a:p>
+            <a:endParaRPr lang="es-ES"/>
+          </a:p>
+        </p:txBody>
+      </p:sp>
+      <p:pic>
+        <p:nvPicPr>
+          <p:cNvPr id="5" name="Imagen 4">
+            <a:extLst>
+              <a:ext uri="{FF2B5EF4-FFF2-40B4-BE49-F238E27FC236}">
+                <a16:creationId xmlns:a16="http://schemas.microsoft.com/office/drawing/2014/main" id="{54C891AF-58BD-4C06-8FB8-FADB1450C3E0}"/>
+              </a:ext>
+            </a:extLst>
+          </p:cNvPr>
+          <p:cNvPicPr>
+            <a:picLocks noChangeAspect="1"/>
+          </p:cNvPicPr>
+          <p:nvPr/>
+        </p:nvPicPr>
+        <p:blipFill rotWithShape="1">
+          <a:blip r:embed="rId2"/>
+          <a:srcRect l="22702" t="32244" r="19527" b="31342"/>
+          <a:stretch/>
+        </p:blipFill>
+        <p:spPr>
+          <a:xfrm>
+            <a:off x="2767914" y="2211859"/>
+            <a:ext cx="7043351" cy="2496065"/>
+          </a:xfrm>
+          <a:prstGeom prst="rect">
+            <a:avLst/>
+          </a:prstGeom>
+        </p:spPr>
+      </p:pic>
+      <p:pic>
+        <p:nvPicPr>
+          <p:cNvPr id="6" name="Imagen 5">
+            <a:extLst>
+              <a:ext uri="{FF2B5EF4-FFF2-40B4-BE49-F238E27FC236}">
+                <a16:creationId xmlns:a16="http://schemas.microsoft.com/office/drawing/2014/main" id="{D5D75BDA-09EA-4AEF-85C3-8FC645DE6457}"/>
+              </a:ext>
+            </a:extLst>
+          </p:cNvPr>
+          <p:cNvPicPr>
+            <a:picLocks noChangeAspect="1"/>
+          </p:cNvPicPr>
+          <p:nvPr/>
+        </p:nvPicPr>
+        <p:blipFill rotWithShape="1">
+          <a:blip r:embed="rId3"/>
+          <a:srcRect l="30101" t="30081" r="29155" b="38192"/>
+          <a:stretch/>
+        </p:blipFill>
+        <p:spPr>
+          <a:xfrm>
+            <a:off x="3669956" y="2063578"/>
+            <a:ext cx="4967417" cy="2174790"/>
+          </a:xfrm>
+          <a:prstGeom prst="rect">
+            <a:avLst/>
+          </a:prstGeom>
+        </p:spPr>
+      </p:pic>
+    </p:spTree>
+    <p:extLst>
+      <p:ext uri="{BB962C8B-B14F-4D97-AF65-F5344CB8AC3E}">
+        <p14:creationId xmlns:p14="http://schemas.microsoft.com/office/powerpoint/2010/main" val="535473812"/>
+      </p:ext>
+    </p:extLst>
+  </p:cSld>
+  <p:clrMapOvr>
+    <a:masterClrMapping/>
+  </p:clrMapOvr>
+</p:sld>
+</file>
+
 <file path=ppt/slides/slide2.xml><?xml version="1.0" encoding="utf-8"?>
 <p:sld xmlns:a="http://schemas.openxmlformats.org/drawingml/2006/main" xmlns:r="http://schemas.openxmlformats.org/officeDocument/2006/relationships" xmlns:p="http://schemas.openxmlformats.org/presentationml/2006/main">
   <p:cSld>
@@ -10831,10 +11633,10 @@
       </p:grpSpPr>
       <p:sp>
         <p:nvSpPr>
-          <p:cNvPr id="4" name="Elipse 3">
-            <a:extLst>
-              <a:ext uri="{FF2B5EF4-FFF2-40B4-BE49-F238E27FC236}">
-                <a16:creationId xmlns:a16="http://schemas.microsoft.com/office/drawing/2014/main" id="{8CD63100-9051-4F1F-8188-C853E6C56CAC}"/>
+          <p:cNvPr id="6" name="Elipse 5">
+            <a:extLst>
+              <a:ext uri="{FF2B5EF4-FFF2-40B4-BE49-F238E27FC236}">
+                <a16:creationId xmlns:a16="http://schemas.microsoft.com/office/drawing/2014/main" id="{FB5DADCA-6773-4DFE-8231-31F5957C8E26}"/>
               </a:ext>
             </a:extLst>
           </p:cNvPr>
@@ -10843,7 +11645,7 @@
         </p:nvSpPr>
         <p:spPr>
           <a:xfrm>
-            <a:off x="4783094" y="1594039"/>
+            <a:off x="7655677" y="2534676"/>
             <a:ext cx="1717589" cy="939113"/>
           </a:xfrm>
           <a:prstGeom prst="ellipse">
@@ -10878,27 +11680,22 @@
           <a:p>
             <a:pPr algn="ctr"/>
             <a:r>
-              <a:rPr lang="es-ES" dirty="0" err="1">
+              <a:rPr lang="es-ES" dirty="0">
                 <a:solidFill>
                   <a:schemeClr val="tx1"/>
                 </a:solidFill>
               </a:rPr>
-              <a:t>Loop</a:t>
-            </a:r>
-            <a:endParaRPr lang="es-ES" dirty="0">
-              <a:solidFill>
-                <a:schemeClr val="tx1"/>
-              </a:solidFill>
-            </a:endParaRPr>
+              <a:t>Conectar Wifi</a:t>
+            </a:r>
           </a:p>
         </p:txBody>
       </p:sp>
       <p:sp>
         <p:nvSpPr>
-          <p:cNvPr id="6" name="Elipse 5">
-            <a:extLst>
-              <a:ext uri="{FF2B5EF4-FFF2-40B4-BE49-F238E27FC236}">
-                <a16:creationId xmlns:a16="http://schemas.microsoft.com/office/drawing/2014/main" id="{FB5DADCA-6773-4DFE-8231-31F5957C8E26}"/>
+          <p:cNvPr id="7" name="Elipse 6">
+            <a:extLst>
+              <a:ext uri="{FF2B5EF4-FFF2-40B4-BE49-F238E27FC236}">
+                <a16:creationId xmlns:a16="http://schemas.microsoft.com/office/drawing/2014/main" id="{68D784A5-1F46-4905-9FCA-C749DA9418FC}"/>
               </a:ext>
             </a:extLst>
           </p:cNvPr>
@@ -10907,7 +11704,7 @@
         </p:nvSpPr>
         <p:spPr>
           <a:xfrm>
-            <a:off x="4783092" y="2632003"/>
+            <a:off x="7655677" y="3554104"/>
             <a:ext cx="1717589" cy="939113"/>
           </a:xfrm>
           <a:prstGeom prst="ellipse">
@@ -10947,17 +11744,17 @@
                   <a:schemeClr val="tx1"/>
                 </a:solidFill>
               </a:rPr>
-              <a:t>Conectar Wifi</a:t>
+              <a:t>Descargar Modelo</a:t>
             </a:r>
           </a:p>
         </p:txBody>
       </p:sp>
       <p:sp>
         <p:nvSpPr>
-          <p:cNvPr id="7" name="Elipse 6">
-            <a:extLst>
-              <a:ext uri="{FF2B5EF4-FFF2-40B4-BE49-F238E27FC236}">
-                <a16:creationId xmlns:a16="http://schemas.microsoft.com/office/drawing/2014/main" id="{68D784A5-1F46-4905-9FCA-C749DA9418FC}"/>
+          <p:cNvPr id="9" name="Elipse 8">
+            <a:extLst>
+              <a:ext uri="{FF2B5EF4-FFF2-40B4-BE49-F238E27FC236}">
+                <a16:creationId xmlns:a16="http://schemas.microsoft.com/office/drawing/2014/main" id="{E473A81B-CDFB-4642-9AB0-4171EEFCF966}"/>
               </a:ext>
             </a:extLst>
           </p:cNvPr>
@@ -10966,7 +11763,7 @@
         </p:nvSpPr>
         <p:spPr>
           <a:xfrm>
-            <a:off x="4783092" y="3651431"/>
+            <a:off x="7655677" y="4573532"/>
             <a:ext cx="1717589" cy="939113"/>
           </a:xfrm>
           <a:prstGeom prst="ellipse">
@@ -11006,17 +11803,17 @@
                   <a:schemeClr val="tx1"/>
                 </a:solidFill>
               </a:rPr>
-              <a:t>Descargar Modelo</a:t>
+              <a:t>Almacenar Modelo</a:t>
             </a:r>
           </a:p>
         </p:txBody>
       </p:sp>
       <p:sp>
         <p:nvSpPr>
-          <p:cNvPr id="9" name="Elipse 8">
-            <a:extLst>
-              <a:ext uri="{FF2B5EF4-FFF2-40B4-BE49-F238E27FC236}">
-                <a16:creationId xmlns:a16="http://schemas.microsoft.com/office/drawing/2014/main" id="{E473A81B-CDFB-4642-9AB0-4171EEFCF966}"/>
+          <p:cNvPr id="12" name="Elipse 11">
+            <a:extLst>
+              <a:ext uri="{FF2B5EF4-FFF2-40B4-BE49-F238E27FC236}">
+                <a16:creationId xmlns:a16="http://schemas.microsoft.com/office/drawing/2014/main" id="{AA6DC8AB-85EF-4D45-B276-E31C67E9257E}"/>
               </a:ext>
             </a:extLst>
           </p:cNvPr>
@@ -11025,7 +11822,7 @@
         </p:nvSpPr>
         <p:spPr>
           <a:xfrm>
-            <a:off x="4783092" y="4670859"/>
+            <a:off x="7655677" y="5592960"/>
             <a:ext cx="1717589" cy="939113"/>
           </a:xfrm>
           <a:prstGeom prst="ellipse">
@@ -11065,17 +11862,17 @@
                   <a:schemeClr val="tx1"/>
                 </a:solidFill>
               </a:rPr>
-              <a:t>Almacenar Modelo</a:t>
+              <a:t>Reiniciar ESP32</a:t>
             </a:r>
           </a:p>
         </p:txBody>
       </p:sp>
       <p:sp>
         <p:nvSpPr>
-          <p:cNvPr id="11" name="Elipse 10">
-            <a:extLst>
-              <a:ext uri="{FF2B5EF4-FFF2-40B4-BE49-F238E27FC236}">
-                <a16:creationId xmlns:a16="http://schemas.microsoft.com/office/drawing/2014/main" id="{170EA18B-B268-46BD-B206-118C20F4D64C}"/>
+          <p:cNvPr id="8" name="Rectángulo 7">
+            <a:extLst>
+              <a:ext uri="{FF2B5EF4-FFF2-40B4-BE49-F238E27FC236}">
+                <a16:creationId xmlns:a16="http://schemas.microsoft.com/office/drawing/2014/main" id="{09E34F2A-4BD3-4257-8ECB-CFACBF6448EE}"/>
               </a:ext>
             </a:extLst>
           </p:cNvPr>
@@ -11084,13 +11881,15 @@
         </p:nvSpPr>
         <p:spPr>
           <a:xfrm>
-            <a:off x="6016711" y="228600"/>
-            <a:ext cx="1717589" cy="939113"/>
-          </a:xfrm>
-          <a:prstGeom prst="ellipse">
-            <a:avLst/>
-          </a:prstGeom>
-          <a:noFill/>
+            <a:off x="4588636" y="369146"/>
+            <a:ext cx="1806147" cy="1019428"/>
+          </a:xfrm>
+          <a:prstGeom prst="rect">
+            <a:avLst/>
+          </a:prstGeom>
+          <a:solidFill>
+            <a:schemeClr val="bg1"/>
+          </a:solidFill>
           <a:ln>
             <a:solidFill>
               <a:schemeClr val="tx1"/>
@@ -11131,10 +11930,10 @@
       </p:sp>
       <p:sp>
         <p:nvSpPr>
-          <p:cNvPr id="12" name="Elipse 11">
-            <a:extLst>
-              <a:ext uri="{FF2B5EF4-FFF2-40B4-BE49-F238E27FC236}">
-                <a16:creationId xmlns:a16="http://schemas.microsoft.com/office/drawing/2014/main" id="{AA6DC8AB-85EF-4D45-B276-E31C67E9257E}"/>
+          <p:cNvPr id="13" name="Rectángulo 12">
+            <a:extLst>
+              <a:ext uri="{FF2B5EF4-FFF2-40B4-BE49-F238E27FC236}">
+                <a16:creationId xmlns:a16="http://schemas.microsoft.com/office/drawing/2014/main" id="{194AFECB-5BE0-4DFA-827F-44EC97F24777}"/>
               </a:ext>
             </a:extLst>
           </p:cNvPr>
@@ -11143,13 +11942,15 @@
         </p:nvSpPr>
         <p:spPr>
           <a:xfrm>
-            <a:off x="4783092" y="5690287"/>
-            <a:ext cx="1717589" cy="939113"/>
-          </a:xfrm>
-          <a:prstGeom prst="ellipse">
-            <a:avLst/>
-          </a:prstGeom>
-          <a:noFill/>
+            <a:off x="7897827" y="134607"/>
+            <a:ext cx="1253865" cy="633286"/>
+          </a:xfrm>
+          <a:prstGeom prst="rect">
+            <a:avLst/>
+          </a:prstGeom>
+          <a:solidFill>
+            <a:schemeClr val="bg1"/>
+          </a:solidFill>
           <a:ln>
             <a:solidFill>
               <a:schemeClr val="tx1"/>
@@ -11178,16 +11979,2317 @@
           <a:p>
             <a:pPr algn="ctr"/>
             <a:r>
-              <a:rPr lang="es-ES" dirty="0">
+              <a:rPr lang="es-ES" dirty="0" err="1">
                 <a:solidFill>
                   <a:schemeClr val="tx1"/>
                 </a:solidFill>
               </a:rPr>
-              <a:t>Reiniciar ESP32</a:t>
-            </a:r>
+              <a:t>Loop</a:t>
+            </a:r>
+            <a:endParaRPr lang="es-ES" dirty="0">
+              <a:solidFill>
+                <a:schemeClr val="tx1"/>
+              </a:solidFill>
+            </a:endParaRPr>
           </a:p>
         </p:txBody>
       </p:sp>
+      <p:cxnSp>
+        <p:nvCxnSpPr>
+          <p:cNvPr id="16" name="Conector: angular 15">
+            <a:extLst>
+              <a:ext uri="{FF2B5EF4-FFF2-40B4-BE49-F238E27FC236}">
+                <a16:creationId xmlns:a16="http://schemas.microsoft.com/office/drawing/2014/main" id="{68124A83-7F6C-42C3-90CE-88ED2D2B440F}"/>
+              </a:ext>
+            </a:extLst>
+          </p:cNvPr>
+          <p:cNvCxnSpPr>
+            <a:stCxn id="6" idx="2"/>
+            <a:endCxn id="7" idx="2"/>
+          </p:cNvCxnSpPr>
+          <p:nvPr/>
+        </p:nvCxnSpPr>
+        <p:spPr>
+          <a:xfrm rot="10800000" flipV="1">
+            <a:off x="7655677" y="3004233"/>
+            <a:ext cx="12700" cy="1019428"/>
+          </a:xfrm>
+          <a:prstGeom prst="bentConnector3">
+            <a:avLst>
+              <a:gd name="adj1" fmla="val 1800000"/>
+            </a:avLst>
+          </a:prstGeom>
+          <a:ln>
+            <a:solidFill>
+              <a:schemeClr val="tx1"/>
+            </a:solidFill>
+            <a:tailEnd type="triangle"/>
+          </a:ln>
+        </p:spPr>
+        <p:style>
+          <a:lnRef idx="1">
+            <a:schemeClr val="accent1"/>
+          </a:lnRef>
+          <a:fillRef idx="0">
+            <a:schemeClr val="accent1"/>
+          </a:fillRef>
+          <a:effectRef idx="0">
+            <a:schemeClr val="accent1"/>
+          </a:effectRef>
+          <a:fontRef idx="minor">
+            <a:schemeClr val="tx1"/>
+          </a:fontRef>
+        </p:style>
+      </p:cxnSp>
+      <p:cxnSp>
+        <p:nvCxnSpPr>
+          <p:cNvPr id="18" name="Conector: angular 17">
+            <a:extLst>
+              <a:ext uri="{FF2B5EF4-FFF2-40B4-BE49-F238E27FC236}">
+                <a16:creationId xmlns:a16="http://schemas.microsoft.com/office/drawing/2014/main" id="{5DAA2EC4-DC16-4C7A-97C4-DAA457760C28}"/>
+              </a:ext>
+            </a:extLst>
+          </p:cNvPr>
+          <p:cNvCxnSpPr>
+            <a:stCxn id="7" idx="6"/>
+            <a:endCxn id="9" idx="6"/>
+          </p:cNvCxnSpPr>
+          <p:nvPr/>
+        </p:nvCxnSpPr>
+        <p:spPr>
+          <a:xfrm>
+            <a:off x="9373266" y="4023661"/>
+            <a:ext cx="12700" cy="1019428"/>
+          </a:xfrm>
+          <a:prstGeom prst="bentConnector3">
+            <a:avLst>
+              <a:gd name="adj1" fmla="val 1800000"/>
+            </a:avLst>
+          </a:prstGeom>
+          <a:ln>
+            <a:solidFill>
+              <a:schemeClr val="tx1"/>
+            </a:solidFill>
+            <a:tailEnd type="triangle"/>
+          </a:ln>
+        </p:spPr>
+        <p:style>
+          <a:lnRef idx="1">
+            <a:schemeClr val="accent1"/>
+          </a:lnRef>
+          <a:fillRef idx="0">
+            <a:schemeClr val="accent1"/>
+          </a:fillRef>
+          <a:effectRef idx="0">
+            <a:schemeClr val="accent1"/>
+          </a:effectRef>
+          <a:fontRef idx="minor">
+            <a:schemeClr val="tx1"/>
+          </a:fontRef>
+        </p:style>
+      </p:cxnSp>
+      <p:cxnSp>
+        <p:nvCxnSpPr>
+          <p:cNvPr id="20" name="Conector: angular 19">
+            <a:extLst>
+              <a:ext uri="{FF2B5EF4-FFF2-40B4-BE49-F238E27FC236}">
+                <a16:creationId xmlns:a16="http://schemas.microsoft.com/office/drawing/2014/main" id="{87269728-C6F6-4D13-B834-AFFB44995657}"/>
+              </a:ext>
+            </a:extLst>
+          </p:cNvPr>
+          <p:cNvCxnSpPr>
+            <a:stCxn id="9" idx="2"/>
+            <a:endCxn id="12" idx="2"/>
+          </p:cNvCxnSpPr>
+          <p:nvPr/>
+        </p:nvCxnSpPr>
+        <p:spPr>
+          <a:xfrm rot="10800000" flipV="1">
+            <a:off x="7655677" y="5043089"/>
+            <a:ext cx="12700" cy="1019428"/>
+          </a:xfrm>
+          <a:prstGeom prst="bentConnector3">
+            <a:avLst>
+              <a:gd name="adj1" fmla="val 1800000"/>
+            </a:avLst>
+          </a:prstGeom>
+          <a:ln>
+            <a:solidFill>
+              <a:schemeClr val="tx1"/>
+            </a:solidFill>
+            <a:tailEnd type="triangle"/>
+          </a:ln>
+        </p:spPr>
+        <p:style>
+          <a:lnRef idx="1">
+            <a:schemeClr val="accent1"/>
+          </a:lnRef>
+          <a:fillRef idx="0">
+            <a:schemeClr val="accent1"/>
+          </a:fillRef>
+          <a:effectRef idx="0">
+            <a:schemeClr val="accent1"/>
+          </a:effectRef>
+          <a:fontRef idx="minor">
+            <a:schemeClr val="tx1"/>
+          </a:fontRef>
+        </p:style>
+      </p:cxnSp>
+      <p:cxnSp>
+        <p:nvCxnSpPr>
+          <p:cNvPr id="27" name="Conector: angular 26">
+            <a:extLst>
+              <a:ext uri="{FF2B5EF4-FFF2-40B4-BE49-F238E27FC236}">
+                <a16:creationId xmlns:a16="http://schemas.microsoft.com/office/drawing/2014/main" id="{39F3B46B-B59E-4FE2-B479-D72D36492E58}"/>
+              </a:ext>
+            </a:extLst>
+          </p:cNvPr>
+          <p:cNvCxnSpPr>
+            <a:cxnSpLocks/>
+            <a:stCxn id="31" idx="0"/>
+            <a:endCxn id="6" idx="6"/>
+          </p:cNvCxnSpPr>
+          <p:nvPr/>
+        </p:nvCxnSpPr>
+        <p:spPr>
+          <a:xfrm>
+            <a:off x="9237476" y="1952368"/>
+            <a:ext cx="135790" cy="1051865"/>
+          </a:xfrm>
+          <a:prstGeom prst="bentConnector3">
+            <a:avLst>
+              <a:gd name="adj1" fmla="val 268348"/>
+            </a:avLst>
+          </a:prstGeom>
+          <a:ln>
+            <a:solidFill>
+              <a:schemeClr val="tx1"/>
+            </a:solidFill>
+            <a:tailEnd type="triangle"/>
+          </a:ln>
+        </p:spPr>
+        <p:style>
+          <a:lnRef idx="1">
+            <a:schemeClr val="accent1"/>
+          </a:lnRef>
+          <a:fillRef idx="0">
+            <a:schemeClr val="accent1"/>
+          </a:fillRef>
+          <a:effectRef idx="0">
+            <a:schemeClr val="accent1"/>
+          </a:effectRef>
+          <a:fontRef idx="minor">
+            <a:schemeClr val="tx1"/>
+          </a:fontRef>
+        </p:style>
+      </p:cxnSp>
+      <p:sp>
+        <p:nvSpPr>
+          <p:cNvPr id="28" name="Rectángulo 27">
+            <a:extLst>
+              <a:ext uri="{FF2B5EF4-FFF2-40B4-BE49-F238E27FC236}">
+                <a16:creationId xmlns:a16="http://schemas.microsoft.com/office/drawing/2014/main" id="{24428C94-6C8D-42D1-A469-4E34FFD55A70}"/>
+              </a:ext>
+            </a:extLst>
+          </p:cNvPr>
+          <p:cNvSpPr/>
+          <p:nvPr/>
+        </p:nvSpPr>
+        <p:spPr>
+          <a:xfrm>
+            <a:off x="1552803" y="134607"/>
+            <a:ext cx="1253865" cy="633286"/>
+          </a:xfrm>
+          <a:prstGeom prst="rect">
+            <a:avLst/>
+          </a:prstGeom>
+          <a:solidFill>
+            <a:schemeClr val="bg1"/>
+          </a:solidFill>
+          <a:ln>
+            <a:solidFill>
+              <a:schemeClr val="tx1"/>
+            </a:solidFill>
+          </a:ln>
+        </p:spPr>
+        <p:style>
+          <a:lnRef idx="2">
+            <a:schemeClr val="accent1">
+              <a:shade val="50000"/>
+            </a:schemeClr>
+          </a:lnRef>
+          <a:fillRef idx="1">
+            <a:schemeClr val="accent1"/>
+          </a:fillRef>
+          <a:effectRef idx="0">
+            <a:schemeClr val="accent1"/>
+          </a:effectRef>
+          <a:fontRef idx="minor">
+            <a:schemeClr val="lt1"/>
+          </a:fontRef>
+        </p:style>
+        <p:txBody>
+          <a:bodyPr rtlCol="0" anchor="ctr"/>
+          <a:lstStyle/>
+          <a:p>
+            <a:pPr algn="ctr"/>
+            <a:r>
+              <a:rPr lang="es-ES" dirty="0" err="1">
+                <a:solidFill>
+                  <a:schemeClr val="tx1"/>
+                </a:solidFill>
+              </a:rPr>
+              <a:t>Setup</a:t>
+            </a:r>
+            <a:endParaRPr lang="es-ES" dirty="0">
+              <a:solidFill>
+                <a:schemeClr val="tx1"/>
+              </a:solidFill>
+            </a:endParaRPr>
+          </a:p>
+        </p:txBody>
+      </p:sp>
+      <p:sp>
+        <p:nvSpPr>
+          <p:cNvPr id="29" name="Elipse 28">
+            <a:extLst>
+              <a:ext uri="{FF2B5EF4-FFF2-40B4-BE49-F238E27FC236}">
+                <a16:creationId xmlns:a16="http://schemas.microsoft.com/office/drawing/2014/main" id="{9762D388-3BAB-419A-BC55-567F4FD58AB8}"/>
+              </a:ext>
+            </a:extLst>
+          </p:cNvPr>
+          <p:cNvSpPr/>
+          <p:nvPr/>
+        </p:nvSpPr>
+        <p:spPr>
+          <a:xfrm>
+            <a:off x="1299826" y="1981201"/>
+            <a:ext cx="1717589" cy="939113"/>
+          </a:xfrm>
+          <a:prstGeom prst="ellipse">
+            <a:avLst/>
+          </a:prstGeom>
+          <a:noFill/>
+          <a:ln>
+            <a:solidFill>
+              <a:schemeClr val="tx1"/>
+            </a:solidFill>
+          </a:ln>
+        </p:spPr>
+        <p:style>
+          <a:lnRef idx="2">
+            <a:schemeClr val="accent1">
+              <a:shade val="50000"/>
+            </a:schemeClr>
+          </a:lnRef>
+          <a:fillRef idx="1">
+            <a:schemeClr val="accent1"/>
+          </a:fillRef>
+          <a:effectRef idx="0">
+            <a:schemeClr val="accent1"/>
+          </a:effectRef>
+          <a:fontRef idx="minor">
+            <a:schemeClr val="lt1"/>
+          </a:fontRef>
+        </p:style>
+        <p:txBody>
+          <a:bodyPr rtlCol="0" anchor="ctr"/>
+          <a:lstStyle/>
+          <a:p>
+            <a:pPr algn="ctr"/>
+            <a:r>
+              <a:rPr lang="es-ES" dirty="0">
+                <a:solidFill>
+                  <a:schemeClr val="tx1"/>
+                </a:solidFill>
+              </a:rPr>
+              <a:t>Inicializar Variables</a:t>
+            </a:r>
+          </a:p>
+        </p:txBody>
+      </p:sp>
+      <p:sp>
+        <p:nvSpPr>
+          <p:cNvPr id="31" name="Hexágono 30">
+            <a:extLst>
+              <a:ext uri="{FF2B5EF4-FFF2-40B4-BE49-F238E27FC236}">
+                <a16:creationId xmlns:a16="http://schemas.microsoft.com/office/drawing/2014/main" id="{2EDC14A5-E02A-445B-A400-D79AC9F4701E}"/>
+              </a:ext>
+            </a:extLst>
+          </p:cNvPr>
+          <p:cNvSpPr/>
+          <p:nvPr/>
+        </p:nvSpPr>
+        <p:spPr>
+          <a:xfrm>
+            <a:off x="7842276" y="1521424"/>
+            <a:ext cx="1395200" cy="861887"/>
+          </a:xfrm>
+          <a:prstGeom prst="hexagon">
+            <a:avLst/>
+          </a:prstGeom>
+          <a:solidFill>
+            <a:schemeClr val="bg1"/>
+          </a:solidFill>
+          <a:ln>
+            <a:solidFill>
+              <a:schemeClr val="tx1"/>
+            </a:solidFill>
+          </a:ln>
+        </p:spPr>
+        <p:style>
+          <a:lnRef idx="2">
+            <a:schemeClr val="accent1">
+              <a:shade val="50000"/>
+            </a:schemeClr>
+          </a:lnRef>
+          <a:fillRef idx="1">
+            <a:schemeClr val="accent1"/>
+          </a:fillRef>
+          <a:effectRef idx="0">
+            <a:schemeClr val="accent1"/>
+          </a:effectRef>
+          <a:fontRef idx="minor">
+            <a:schemeClr val="lt1"/>
+          </a:fontRef>
+        </p:style>
+        <p:txBody>
+          <a:bodyPr rtlCol="0" anchor="ctr"/>
+          <a:lstStyle/>
+          <a:p>
+            <a:pPr algn="ctr"/>
+            <a:r>
+              <a:rPr lang="es-ES" dirty="0">
+                <a:solidFill>
+                  <a:schemeClr val="tx1"/>
+                </a:solidFill>
+              </a:rPr>
+              <a:t>Bandera</a:t>
+            </a:r>
+          </a:p>
+        </p:txBody>
+      </p:sp>
+      <p:sp>
+        <p:nvSpPr>
+          <p:cNvPr id="34" name="Hexágono 33">
+            <a:extLst>
+              <a:ext uri="{FF2B5EF4-FFF2-40B4-BE49-F238E27FC236}">
+                <a16:creationId xmlns:a16="http://schemas.microsoft.com/office/drawing/2014/main" id="{CBC44282-C87D-4B78-98A7-8B4C124676DF}"/>
+              </a:ext>
+            </a:extLst>
+          </p:cNvPr>
+          <p:cNvSpPr/>
+          <p:nvPr/>
+        </p:nvSpPr>
+        <p:spPr>
+          <a:xfrm>
+            <a:off x="1461020" y="3179801"/>
+            <a:ext cx="1395200" cy="861887"/>
+          </a:xfrm>
+          <a:prstGeom prst="hexagon">
+            <a:avLst/>
+          </a:prstGeom>
+          <a:solidFill>
+            <a:schemeClr val="bg1"/>
+          </a:solidFill>
+          <a:ln>
+            <a:solidFill>
+              <a:schemeClr val="tx1"/>
+            </a:solidFill>
+          </a:ln>
+        </p:spPr>
+        <p:style>
+          <a:lnRef idx="2">
+            <a:schemeClr val="accent1">
+              <a:shade val="50000"/>
+            </a:schemeClr>
+          </a:lnRef>
+          <a:fillRef idx="1">
+            <a:schemeClr val="accent1"/>
+          </a:fillRef>
+          <a:effectRef idx="0">
+            <a:schemeClr val="accent1"/>
+          </a:effectRef>
+          <a:fontRef idx="minor">
+            <a:schemeClr val="lt1"/>
+          </a:fontRef>
+        </p:style>
+        <p:txBody>
+          <a:bodyPr rtlCol="0" anchor="ctr"/>
+          <a:lstStyle/>
+          <a:p>
+            <a:pPr algn="ctr"/>
+            <a:r>
+              <a:rPr lang="es-ES" dirty="0">
+                <a:solidFill>
+                  <a:schemeClr val="tx1"/>
+                </a:solidFill>
+              </a:rPr>
+              <a:t>Nuevo Modelo</a:t>
+            </a:r>
+          </a:p>
+        </p:txBody>
+      </p:sp>
+      <p:sp>
+        <p:nvSpPr>
+          <p:cNvPr id="35" name="Elipse 34">
+            <a:extLst>
+              <a:ext uri="{FF2B5EF4-FFF2-40B4-BE49-F238E27FC236}">
+                <a16:creationId xmlns:a16="http://schemas.microsoft.com/office/drawing/2014/main" id="{F2871F96-6140-47D9-9579-D99A0505936E}"/>
+              </a:ext>
+            </a:extLst>
+          </p:cNvPr>
+          <p:cNvSpPr/>
+          <p:nvPr/>
+        </p:nvSpPr>
+        <p:spPr>
+          <a:xfrm>
+            <a:off x="2492219" y="4359859"/>
+            <a:ext cx="1717589" cy="939113"/>
+          </a:xfrm>
+          <a:prstGeom prst="ellipse">
+            <a:avLst/>
+          </a:prstGeom>
+          <a:noFill/>
+          <a:ln>
+            <a:solidFill>
+              <a:schemeClr val="tx1"/>
+            </a:solidFill>
+          </a:ln>
+        </p:spPr>
+        <p:style>
+          <a:lnRef idx="2">
+            <a:schemeClr val="accent1">
+              <a:shade val="50000"/>
+            </a:schemeClr>
+          </a:lnRef>
+          <a:fillRef idx="1">
+            <a:schemeClr val="accent1"/>
+          </a:fillRef>
+          <a:effectRef idx="0">
+            <a:schemeClr val="accent1"/>
+          </a:effectRef>
+          <a:fontRef idx="minor">
+            <a:schemeClr val="lt1"/>
+          </a:fontRef>
+        </p:style>
+        <p:txBody>
+          <a:bodyPr rtlCol="0" anchor="ctr"/>
+          <a:lstStyle/>
+          <a:p>
+            <a:pPr algn="ctr"/>
+            <a:r>
+              <a:rPr lang="es-ES" dirty="0">
+                <a:solidFill>
+                  <a:schemeClr val="tx1"/>
+                </a:solidFill>
+              </a:rPr>
+              <a:t>Cargar y Guardar modelo </a:t>
+            </a:r>
+          </a:p>
+        </p:txBody>
+      </p:sp>
+      <p:sp>
+        <p:nvSpPr>
+          <p:cNvPr id="36" name="Elipse 35">
+            <a:extLst>
+              <a:ext uri="{FF2B5EF4-FFF2-40B4-BE49-F238E27FC236}">
+                <a16:creationId xmlns:a16="http://schemas.microsoft.com/office/drawing/2014/main" id="{5AF886F1-3D19-40C6-8391-441A1F8D2D2D}"/>
+              </a:ext>
+            </a:extLst>
+          </p:cNvPr>
+          <p:cNvSpPr/>
+          <p:nvPr/>
+        </p:nvSpPr>
+        <p:spPr>
+          <a:xfrm>
+            <a:off x="236111" y="4359859"/>
+            <a:ext cx="1717589" cy="939113"/>
+          </a:xfrm>
+          <a:prstGeom prst="ellipse">
+            <a:avLst/>
+          </a:prstGeom>
+          <a:noFill/>
+          <a:ln>
+            <a:solidFill>
+              <a:schemeClr val="tx1"/>
+            </a:solidFill>
+          </a:ln>
+        </p:spPr>
+        <p:style>
+          <a:lnRef idx="2">
+            <a:schemeClr val="accent1">
+              <a:shade val="50000"/>
+            </a:schemeClr>
+          </a:lnRef>
+          <a:fillRef idx="1">
+            <a:schemeClr val="accent1"/>
+          </a:fillRef>
+          <a:effectRef idx="0">
+            <a:schemeClr val="accent1"/>
+          </a:effectRef>
+          <a:fontRef idx="minor">
+            <a:schemeClr val="lt1"/>
+          </a:fontRef>
+        </p:style>
+        <p:txBody>
+          <a:bodyPr rtlCol="0" anchor="ctr"/>
+          <a:lstStyle/>
+          <a:p>
+            <a:pPr algn="ctr"/>
+            <a:r>
+              <a:rPr lang="es-ES" dirty="0">
+                <a:solidFill>
+                  <a:schemeClr val="tx1"/>
+                </a:solidFill>
+              </a:rPr>
+              <a:t>Cargar modelo  </a:t>
+            </a:r>
+          </a:p>
+        </p:txBody>
+      </p:sp>
+      <p:sp>
+        <p:nvSpPr>
+          <p:cNvPr id="39" name="Marcador de contenido 2">
+            <a:extLst>
+              <a:ext uri="{FF2B5EF4-FFF2-40B4-BE49-F238E27FC236}">
+                <a16:creationId xmlns:a16="http://schemas.microsoft.com/office/drawing/2014/main" id="{22660006-CE44-4396-8593-793539829024}"/>
+              </a:ext>
+            </a:extLst>
+          </p:cNvPr>
+          <p:cNvSpPr txBox="1">
+            <a:spLocks/>
+          </p:cNvSpPr>
+          <p:nvPr/>
+        </p:nvSpPr>
+        <p:spPr>
+          <a:xfrm>
+            <a:off x="9570719" y="2241212"/>
+            <a:ext cx="456430" cy="435571"/>
+          </a:xfrm>
+          <a:prstGeom prst="rect">
+            <a:avLst/>
+          </a:prstGeom>
+        </p:spPr>
+        <p:txBody>
+          <a:bodyPr vert="horz" lIns="91440" tIns="45720" rIns="91440" bIns="45720" rtlCol="0">
+            <a:normAutofit/>
+          </a:bodyPr>
+          <a:lstStyle>
+            <a:lvl1pPr marL="228600" indent="-228600" algn="l" defTabSz="914400" rtl="0" eaLnBrk="1" latinLnBrk="0" hangingPunct="1">
+              <a:lnSpc>
+                <a:spcPct val="90000"/>
+              </a:lnSpc>
+              <a:spcBef>
+                <a:spcPts val="1000"/>
+              </a:spcBef>
+              <a:buFont typeface="Arial" panose="020B0604020202020204" pitchFamily="34" charset="0"/>
+              <a:buChar char="•"/>
+              <a:defRPr sz="2800" kern="1200">
+                <a:solidFill>
+                  <a:schemeClr val="tx1"/>
+                </a:solidFill>
+                <a:latin typeface="+mn-lt"/>
+                <a:ea typeface="+mn-ea"/>
+                <a:cs typeface="+mn-cs"/>
+              </a:defRPr>
+            </a:lvl1pPr>
+            <a:lvl2pPr marL="685800" indent="-228600" algn="l" defTabSz="914400" rtl="0" eaLnBrk="1" latinLnBrk="0" hangingPunct="1">
+              <a:lnSpc>
+                <a:spcPct val="90000"/>
+              </a:lnSpc>
+              <a:spcBef>
+                <a:spcPts val="500"/>
+              </a:spcBef>
+              <a:buFont typeface="Arial" panose="020B0604020202020204" pitchFamily="34" charset="0"/>
+              <a:buChar char="•"/>
+              <a:defRPr sz="2400" kern="1200">
+                <a:solidFill>
+                  <a:schemeClr val="tx1"/>
+                </a:solidFill>
+                <a:latin typeface="+mn-lt"/>
+                <a:ea typeface="+mn-ea"/>
+                <a:cs typeface="+mn-cs"/>
+              </a:defRPr>
+            </a:lvl2pPr>
+            <a:lvl3pPr marL="1143000" indent="-228600" algn="l" defTabSz="914400" rtl="0" eaLnBrk="1" latinLnBrk="0" hangingPunct="1">
+              <a:lnSpc>
+                <a:spcPct val="90000"/>
+              </a:lnSpc>
+              <a:spcBef>
+                <a:spcPts val="500"/>
+              </a:spcBef>
+              <a:buFont typeface="Arial" panose="020B0604020202020204" pitchFamily="34" charset="0"/>
+              <a:buChar char="•"/>
+              <a:defRPr sz="2000" kern="1200">
+                <a:solidFill>
+                  <a:schemeClr val="tx1"/>
+                </a:solidFill>
+                <a:latin typeface="+mn-lt"/>
+                <a:ea typeface="+mn-ea"/>
+                <a:cs typeface="+mn-cs"/>
+              </a:defRPr>
+            </a:lvl3pPr>
+            <a:lvl4pPr marL="1600200" indent="-228600" algn="l" defTabSz="914400" rtl="0" eaLnBrk="1" latinLnBrk="0" hangingPunct="1">
+              <a:lnSpc>
+                <a:spcPct val="90000"/>
+              </a:lnSpc>
+              <a:spcBef>
+                <a:spcPts val="500"/>
+              </a:spcBef>
+              <a:buFont typeface="Arial" panose="020B0604020202020204" pitchFamily="34" charset="0"/>
+              <a:buChar char="•"/>
+              <a:defRPr sz="1800" kern="1200">
+                <a:solidFill>
+                  <a:schemeClr val="tx1"/>
+                </a:solidFill>
+                <a:latin typeface="+mn-lt"/>
+                <a:ea typeface="+mn-ea"/>
+                <a:cs typeface="+mn-cs"/>
+              </a:defRPr>
+            </a:lvl4pPr>
+            <a:lvl5pPr marL="2057400" indent="-228600" algn="l" defTabSz="914400" rtl="0" eaLnBrk="1" latinLnBrk="0" hangingPunct="1">
+              <a:lnSpc>
+                <a:spcPct val="90000"/>
+              </a:lnSpc>
+              <a:spcBef>
+                <a:spcPts val="500"/>
+              </a:spcBef>
+              <a:buFont typeface="Arial" panose="020B0604020202020204" pitchFamily="34" charset="0"/>
+              <a:buChar char="•"/>
+              <a:defRPr sz="1800" kern="1200">
+                <a:solidFill>
+                  <a:schemeClr val="tx1"/>
+                </a:solidFill>
+                <a:latin typeface="+mn-lt"/>
+                <a:ea typeface="+mn-ea"/>
+                <a:cs typeface="+mn-cs"/>
+              </a:defRPr>
+            </a:lvl5pPr>
+            <a:lvl6pPr marL="2514600" indent="-228600" algn="l" defTabSz="914400" rtl="0" eaLnBrk="1" latinLnBrk="0" hangingPunct="1">
+              <a:lnSpc>
+                <a:spcPct val="90000"/>
+              </a:lnSpc>
+              <a:spcBef>
+                <a:spcPts val="500"/>
+              </a:spcBef>
+              <a:buFont typeface="Arial" panose="020B0604020202020204" pitchFamily="34" charset="0"/>
+              <a:buChar char="•"/>
+              <a:defRPr sz="1800" kern="1200">
+                <a:solidFill>
+                  <a:schemeClr val="tx1"/>
+                </a:solidFill>
+                <a:latin typeface="+mn-lt"/>
+                <a:ea typeface="+mn-ea"/>
+                <a:cs typeface="+mn-cs"/>
+              </a:defRPr>
+            </a:lvl6pPr>
+            <a:lvl7pPr marL="2971800" indent="-228600" algn="l" defTabSz="914400" rtl="0" eaLnBrk="1" latinLnBrk="0" hangingPunct="1">
+              <a:lnSpc>
+                <a:spcPct val="90000"/>
+              </a:lnSpc>
+              <a:spcBef>
+                <a:spcPts val="500"/>
+              </a:spcBef>
+              <a:buFont typeface="Arial" panose="020B0604020202020204" pitchFamily="34" charset="0"/>
+              <a:buChar char="•"/>
+              <a:defRPr sz="1800" kern="1200">
+                <a:solidFill>
+                  <a:schemeClr val="tx1"/>
+                </a:solidFill>
+                <a:latin typeface="+mn-lt"/>
+                <a:ea typeface="+mn-ea"/>
+                <a:cs typeface="+mn-cs"/>
+              </a:defRPr>
+            </a:lvl7pPr>
+            <a:lvl8pPr marL="3429000" indent="-228600" algn="l" defTabSz="914400" rtl="0" eaLnBrk="1" latinLnBrk="0" hangingPunct="1">
+              <a:lnSpc>
+                <a:spcPct val="90000"/>
+              </a:lnSpc>
+              <a:spcBef>
+                <a:spcPts val="500"/>
+              </a:spcBef>
+              <a:buFont typeface="Arial" panose="020B0604020202020204" pitchFamily="34" charset="0"/>
+              <a:buChar char="•"/>
+              <a:defRPr sz="1800" kern="1200">
+                <a:solidFill>
+                  <a:schemeClr val="tx1"/>
+                </a:solidFill>
+                <a:latin typeface="+mn-lt"/>
+                <a:ea typeface="+mn-ea"/>
+                <a:cs typeface="+mn-cs"/>
+              </a:defRPr>
+            </a:lvl8pPr>
+            <a:lvl9pPr marL="3886200" indent="-228600" algn="l" defTabSz="914400" rtl="0" eaLnBrk="1" latinLnBrk="0" hangingPunct="1">
+              <a:lnSpc>
+                <a:spcPct val="90000"/>
+              </a:lnSpc>
+              <a:spcBef>
+                <a:spcPts val="500"/>
+              </a:spcBef>
+              <a:buFont typeface="Arial" panose="020B0604020202020204" pitchFamily="34" charset="0"/>
+              <a:buChar char="•"/>
+              <a:defRPr sz="1800" kern="1200">
+                <a:solidFill>
+                  <a:schemeClr val="tx1"/>
+                </a:solidFill>
+                <a:latin typeface="+mn-lt"/>
+                <a:ea typeface="+mn-ea"/>
+                <a:cs typeface="+mn-cs"/>
+              </a:defRPr>
+            </a:lvl9pPr>
+          </a:lstStyle>
+          <a:p>
+            <a:pPr marL="0" indent="0">
+              <a:buFont typeface="Arial" panose="020B0604020202020204" pitchFamily="34" charset="0"/>
+              <a:buNone/>
+            </a:pPr>
+            <a:r>
+              <a:rPr lang="es-ES" sz="2000" dirty="0">
+                <a:latin typeface="Arial" panose="020B0604020202020204" pitchFamily="34" charset="0"/>
+                <a:cs typeface="Arial" panose="020B0604020202020204" pitchFamily="34" charset="0"/>
+              </a:rPr>
+              <a:t>Si</a:t>
+            </a:r>
+          </a:p>
+        </p:txBody>
+      </p:sp>
+      <p:cxnSp>
+        <p:nvCxnSpPr>
+          <p:cNvPr id="43" name="Conector recto de flecha 42">
+            <a:extLst>
+              <a:ext uri="{FF2B5EF4-FFF2-40B4-BE49-F238E27FC236}">
+                <a16:creationId xmlns:a16="http://schemas.microsoft.com/office/drawing/2014/main" id="{093AAD20-3BC9-420C-BCBA-A03869012AD4}"/>
+              </a:ext>
+            </a:extLst>
+          </p:cNvPr>
+          <p:cNvCxnSpPr>
+            <a:stCxn id="29" idx="4"/>
+          </p:cNvCxnSpPr>
+          <p:nvPr/>
+        </p:nvCxnSpPr>
+        <p:spPr>
+          <a:xfrm flipH="1">
+            <a:off x="2158619" y="2920314"/>
+            <a:ext cx="2" cy="259487"/>
+          </a:xfrm>
+          <a:prstGeom prst="straightConnector1">
+            <a:avLst/>
+          </a:prstGeom>
+          <a:ln>
+            <a:solidFill>
+              <a:schemeClr val="tx1"/>
+            </a:solidFill>
+            <a:tailEnd type="triangle"/>
+          </a:ln>
+        </p:spPr>
+        <p:style>
+          <a:lnRef idx="1">
+            <a:schemeClr val="accent1"/>
+          </a:lnRef>
+          <a:fillRef idx="0">
+            <a:schemeClr val="accent1"/>
+          </a:fillRef>
+          <a:effectRef idx="0">
+            <a:schemeClr val="accent1"/>
+          </a:effectRef>
+          <a:fontRef idx="minor">
+            <a:schemeClr val="tx1"/>
+          </a:fontRef>
+        </p:style>
+      </p:cxnSp>
+      <p:cxnSp>
+        <p:nvCxnSpPr>
+          <p:cNvPr id="45" name="Conector recto de flecha 44">
+            <a:extLst>
+              <a:ext uri="{FF2B5EF4-FFF2-40B4-BE49-F238E27FC236}">
+                <a16:creationId xmlns:a16="http://schemas.microsoft.com/office/drawing/2014/main" id="{E8166860-DE99-46A9-856B-A30355B7BD5E}"/>
+              </a:ext>
+            </a:extLst>
+          </p:cNvPr>
+          <p:cNvCxnSpPr>
+            <a:stCxn id="34" idx="2"/>
+            <a:endCxn id="36" idx="0"/>
+          </p:cNvCxnSpPr>
+          <p:nvPr/>
+        </p:nvCxnSpPr>
+        <p:spPr>
+          <a:xfrm flipH="1">
+            <a:off x="1094906" y="4041688"/>
+            <a:ext cx="581586" cy="318171"/>
+          </a:xfrm>
+          <a:prstGeom prst="straightConnector1">
+            <a:avLst/>
+          </a:prstGeom>
+          <a:ln>
+            <a:solidFill>
+              <a:schemeClr val="tx1"/>
+            </a:solidFill>
+            <a:tailEnd type="triangle"/>
+          </a:ln>
+        </p:spPr>
+        <p:style>
+          <a:lnRef idx="1">
+            <a:schemeClr val="accent1"/>
+          </a:lnRef>
+          <a:fillRef idx="0">
+            <a:schemeClr val="accent1"/>
+          </a:fillRef>
+          <a:effectRef idx="0">
+            <a:schemeClr val="accent1"/>
+          </a:effectRef>
+          <a:fontRef idx="minor">
+            <a:schemeClr val="tx1"/>
+          </a:fontRef>
+        </p:style>
+      </p:cxnSp>
+      <p:cxnSp>
+        <p:nvCxnSpPr>
+          <p:cNvPr id="47" name="Conector recto de flecha 46">
+            <a:extLst>
+              <a:ext uri="{FF2B5EF4-FFF2-40B4-BE49-F238E27FC236}">
+                <a16:creationId xmlns:a16="http://schemas.microsoft.com/office/drawing/2014/main" id="{42339B3C-96EF-47AA-B764-23536B674E38}"/>
+              </a:ext>
+            </a:extLst>
+          </p:cNvPr>
+          <p:cNvCxnSpPr>
+            <a:stCxn id="34" idx="1"/>
+            <a:endCxn id="35" idx="0"/>
+          </p:cNvCxnSpPr>
+          <p:nvPr/>
+        </p:nvCxnSpPr>
+        <p:spPr>
+          <a:xfrm>
+            <a:off x="2640748" y="4041688"/>
+            <a:ext cx="710266" cy="318171"/>
+          </a:xfrm>
+          <a:prstGeom prst="straightConnector1">
+            <a:avLst/>
+          </a:prstGeom>
+          <a:ln>
+            <a:solidFill>
+              <a:schemeClr val="tx1"/>
+            </a:solidFill>
+            <a:tailEnd type="triangle"/>
+          </a:ln>
+        </p:spPr>
+        <p:style>
+          <a:lnRef idx="1">
+            <a:schemeClr val="accent1"/>
+          </a:lnRef>
+          <a:fillRef idx="0">
+            <a:schemeClr val="accent1"/>
+          </a:fillRef>
+          <a:effectRef idx="0">
+            <a:schemeClr val="accent1"/>
+          </a:effectRef>
+          <a:fontRef idx="minor">
+            <a:schemeClr val="tx1"/>
+          </a:fontRef>
+        </p:style>
+      </p:cxnSp>
+      <p:sp>
+        <p:nvSpPr>
+          <p:cNvPr id="48" name="Marcador de contenido 2">
+            <a:extLst>
+              <a:ext uri="{FF2B5EF4-FFF2-40B4-BE49-F238E27FC236}">
+                <a16:creationId xmlns:a16="http://schemas.microsoft.com/office/drawing/2014/main" id="{129B6BB2-A3B3-49A4-85F3-10A9CF64CEE8}"/>
+              </a:ext>
+            </a:extLst>
+          </p:cNvPr>
+          <p:cNvSpPr txBox="1">
+            <a:spLocks/>
+          </p:cNvSpPr>
+          <p:nvPr/>
+        </p:nvSpPr>
+        <p:spPr>
+          <a:xfrm>
+            <a:off x="2879777" y="3912966"/>
+            <a:ext cx="456430" cy="435571"/>
+          </a:xfrm>
+          <a:prstGeom prst="rect">
+            <a:avLst/>
+          </a:prstGeom>
+          <a:ln>
+            <a:noFill/>
+          </a:ln>
+        </p:spPr>
+        <p:txBody>
+          <a:bodyPr vert="horz" lIns="91440" tIns="45720" rIns="91440" bIns="45720" rtlCol="0">
+            <a:normAutofit/>
+          </a:bodyPr>
+          <a:lstStyle>
+            <a:lvl1pPr marL="228600" indent="-228600" algn="l" defTabSz="914400" rtl="0" eaLnBrk="1" latinLnBrk="0" hangingPunct="1">
+              <a:lnSpc>
+                <a:spcPct val="90000"/>
+              </a:lnSpc>
+              <a:spcBef>
+                <a:spcPts val="1000"/>
+              </a:spcBef>
+              <a:buFont typeface="Arial" panose="020B0604020202020204" pitchFamily="34" charset="0"/>
+              <a:buChar char="•"/>
+              <a:defRPr sz="2800" kern="1200">
+                <a:solidFill>
+                  <a:schemeClr val="tx1"/>
+                </a:solidFill>
+                <a:latin typeface="+mn-lt"/>
+                <a:ea typeface="+mn-ea"/>
+                <a:cs typeface="+mn-cs"/>
+              </a:defRPr>
+            </a:lvl1pPr>
+            <a:lvl2pPr marL="685800" indent="-228600" algn="l" defTabSz="914400" rtl="0" eaLnBrk="1" latinLnBrk="0" hangingPunct="1">
+              <a:lnSpc>
+                <a:spcPct val="90000"/>
+              </a:lnSpc>
+              <a:spcBef>
+                <a:spcPts val="500"/>
+              </a:spcBef>
+              <a:buFont typeface="Arial" panose="020B0604020202020204" pitchFamily="34" charset="0"/>
+              <a:buChar char="•"/>
+              <a:defRPr sz="2400" kern="1200">
+                <a:solidFill>
+                  <a:schemeClr val="tx1"/>
+                </a:solidFill>
+                <a:latin typeface="+mn-lt"/>
+                <a:ea typeface="+mn-ea"/>
+                <a:cs typeface="+mn-cs"/>
+              </a:defRPr>
+            </a:lvl2pPr>
+            <a:lvl3pPr marL="1143000" indent="-228600" algn="l" defTabSz="914400" rtl="0" eaLnBrk="1" latinLnBrk="0" hangingPunct="1">
+              <a:lnSpc>
+                <a:spcPct val="90000"/>
+              </a:lnSpc>
+              <a:spcBef>
+                <a:spcPts val="500"/>
+              </a:spcBef>
+              <a:buFont typeface="Arial" panose="020B0604020202020204" pitchFamily="34" charset="0"/>
+              <a:buChar char="•"/>
+              <a:defRPr sz="2000" kern="1200">
+                <a:solidFill>
+                  <a:schemeClr val="tx1"/>
+                </a:solidFill>
+                <a:latin typeface="+mn-lt"/>
+                <a:ea typeface="+mn-ea"/>
+                <a:cs typeface="+mn-cs"/>
+              </a:defRPr>
+            </a:lvl3pPr>
+            <a:lvl4pPr marL="1600200" indent="-228600" algn="l" defTabSz="914400" rtl="0" eaLnBrk="1" latinLnBrk="0" hangingPunct="1">
+              <a:lnSpc>
+                <a:spcPct val="90000"/>
+              </a:lnSpc>
+              <a:spcBef>
+                <a:spcPts val="500"/>
+              </a:spcBef>
+              <a:buFont typeface="Arial" panose="020B0604020202020204" pitchFamily="34" charset="0"/>
+              <a:buChar char="•"/>
+              <a:defRPr sz="1800" kern="1200">
+                <a:solidFill>
+                  <a:schemeClr val="tx1"/>
+                </a:solidFill>
+                <a:latin typeface="+mn-lt"/>
+                <a:ea typeface="+mn-ea"/>
+                <a:cs typeface="+mn-cs"/>
+              </a:defRPr>
+            </a:lvl4pPr>
+            <a:lvl5pPr marL="2057400" indent="-228600" algn="l" defTabSz="914400" rtl="0" eaLnBrk="1" latinLnBrk="0" hangingPunct="1">
+              <a:lnSpc>
+                <a:spcPct val="90000"/>
+              </a:lnSpc>
+              <a:spcBef>
+                <a:spcPts val="500"/>
+              </a:spcBef>
+              <a:buFont typeface="Arial" panose="020B0604020202020204" pitchFamily="34" charset="0"/>
+              <a:buChar char="•"/>
+              <a:defRPr sz="1800" kern="1200">
+                <a:solidFill>
+                  <a:schemeClr val="tx1"/>
+                </a:solidFill>
+                <a:latin typeface="+mn-lt"/>
+                <a:ea typeface="+mn-ea"/>
+                <a:cs typeface="+mn-cs"/>
+              </a:defRPr>
+            </a:lvl5pPr>
+            <a:lvl6pPr marL="2514600" indent="-228600" algn="l" defTabSz="914400" rtl="0" eaLnBrk="1" latinLnBrk="0" hangingPunct="1">
+              <a:lnSpc>
+                <a:spcPct val="90000"/>
+              </a:lnSpc>
+              <a:spcBef>
+                <a:spcPts val="500"/>
+              </a:spcBef>
+              <a:buFont typeface="Arial" panose="020B0604020202020204" pitchFamily="34" charset="0"/>
+              <a:buChar char="•"/>
+              <a:defRPr sz="1800" kern="1200">
+                <a:solidFill>
+                  <a:schemeClr val="tx1"/>
+                </a:solidFill>
+                <a:latin typeface="+mn-lt"/>
+                <a:ea typeface="+mn-ea"/>
+                <a:cs typeface="+mn-cs"/>
+              </a:defRPr>
+            </a:lvl6pPr>
+            <a:lvl7pPr marL="2971800" indent="-228600" algn="l" defTabSz="914400" rtl="0" eaLnBrk="1" latinLnBrk="0" hangingPunct="1">
+              <a:lnSpc>
+                <a:spcPct val="90000"/>
+              </a:lnSpc>
+              <a:spcBef>
+                <a:spcPts val="500"/>
+              </a:spcBef>
+              <a:buFont typeface="Arial" panose="020B0604020202020204" pitchFamily="34" charset="0"/>
+              <a:buChar char="•"/>
+              <a:defRPr sz="1800" kern="1200">
+                <a:solidFill>
+                  <a:schemeClr val="tx1"/>
+                </a:solidFill>
+                <a:latin typeface="+mn-lt"/>
+                <a:ea typeface="+mn-ea"/>
+                <a:cs typeface="+mn-cs"/>
+              </a:defRPr>
+            </a:lvl7pPr>
+            <a:lvl8pPr marL="3429000" indent="-228600" algn="l" defTabSz="914400" rtl="0" eaLnBrk="1" latinLnBrk="0" hangingPunct="1">
+              <a:lnSpc>
+                <a:spcPct val="90000"/>
+              </a:lnSpc>
+              <a:spcBef>
+                <a:spcPts val="500"/>
+              </a:spcBef>
+              <a:buFont typeface="Arial" panose="020B0604020202020204" pitchFamily="34" charset="0"/>
+              <a:buChar char="•"/>
+              <a:defRPr sz="1800" kern="1200">
+                <a:solidFill>
+                  <a:schemeClr val="tx1"/>
+                </a:solidFill>
+                <a:latin typeface="+mn-lt"/>
+                <a:ea typeface="+mn-ea"/>
+                <a:cs typeface="+mn-cs"/>
+              </a:defRPr>
+            </a:lvl8pPr>
+            <a:lvl9pPr marL="3886200" indent="-228600" algn="l" defTabSz="914400" rtl="0" eaLnBrk="1" latinLnBrk="0" hangingPunct="1">
+              <a:lnSpc>
+                <a:spcPct val="90000"/>
+              </a:lnSpc>
+              <a:spcBef>
+                <a:spcPts val="500"/>
+              </a:spcBef>
+              <a:buFont typeface="Arial" panose="020B0604020202020204" pitchFamily="34" charset="0"/>
+              <a:buChar char="•"/>
+              <a:defRPr sz="1800" kern="1200">
+                <a:solidFill>
+                  <a:schemeClr val="tx1"/>
+                </a:solidFill>
+                <a:latin typeface="+mn-lt"/>
+                <a:ea typeface="+mn-ea"/>
+                <a:cs typeface="+mn-cs"/>
+              </a:defRPr>
+            </a:lvl9pPr>
+          </a:lstStyle>
+          <a:p>
+            <a:pPr marL="0" indent="0">
+              <a:buFont typeface="Arial" panose="020B0604020202020204" pitchFamily="34" charset="0"/>
+              <a:buNone/>
+            </a:pPr>
+            <a:r>
+              <a:rPr lang="es-ES" sz="2000" dirty="0">
+                <a:latin typeface="Arial" panose="020B0604020202020204" pitchFamily="34" charset="0"/>
+                <a:cs typeface="Arial" panose="020B0604020202020204" pitchFamily="34" charset="0"/>
+              </a:rPr>
+              <a:t>Si</a:t>
+            </a:r>
+          </a:p>
+        </p:txBody>
+      </p:sp>
+      <p:sp>
+        <p:nvSpPr>
+          <p:cNvPr id="49" name="Marcador de contenido 2">
+            <a:extLst>
+              <a:ext uri="{FF2B5EF4-FFF2-40B4-BE49-F238E27FC236}">
+                <a16:creationId xmlns:a16="http://schemas.microsoft.com/office/drawing/2014/main" id="{4E523971-29C5-489C-85D7-529CF0F51123}"/>
+              </a:ext>
+            </a:extLst>
+          </p:cNvPr>
+          <p:cNvSpPr txBox="1">
+            <a:spLocks/>
+          </p:cNvSpPr>
+          <p:nvPr/>
+        </p:nvSpPr>
+        <p:spPr>
+          <a:xfrm>
+            <a:off x="1050747" y="3893405"/>
+            <a:ext cx="480940" cy="435571"/>
+          </a:xfrm>
+          <a:prstGeom prst="rect">
+            <a:avLst/>
+          </a:prstGeom>
+          <a:ln>
+            <a:noFill/>
+          </a:ln>
+        </p:spPr>
+        <p:txBody>
+          <a:bodyPr vert="horz" lIns="91440" tIns="45720" rIns="91440" bIns="45720" rtlCol="0">
+            <a:normAutofit fontScale="85000" lnSpcReduction="10000"/>
+          </a:bodyPr>
+          <a:lstStyle>
+            <a:lvl1pPr marL="228600" indent="-228600" algn="l" defTabSz="914400" rtl="0" eaLnBrk="1" latinLnBrk="0" hangingPunct="1">
+              <a:lnSpc>
+                <a:spcPct val="90000"/>
+              </a:lnSpc>
+              <a:spcBef>
+                <a:spcPts val="1000"/>
+              </a:spcBef>
+              <a:buFont typeface="Arial" panose="020B0604020202020204" pitchFamily="34" charset="0"/>
+              <a:buChar char="•"/>
+              <a:defRPr sz="2800" kern="1200">
+                <a:solidFill>
+                  <a:schemeClr val="tx1"/>
+                </a:solidFill>
+                <a:latin typeface="+mn-lt"/>
+                <a:ea typeface="+mn-ea"/>
+                <a:cs typeface="+mn-cs"/>
+              </a:defRPr>
+            </a:lvl1pPr>
+            <a:lvl2pPr marL="685800" indent="-228600" algn="l" defTabSz="914400" rtl="0" eaLnBrk="1" latinLnBrk="0" hangingPunct="1">
+              <a:lnSpc>
+                <a:spcPct val="90000"/>
+              </a:lnSpc>
+              <a:spcBef>
+                <a:spcPts val="500"/>
+              </a:spcBef>
+              <a:buFont typeface="Arial" panose="020B0604020202020204" pitchFamily="34" charset="0"/>
+              <a:buChar char="•"/>
+              <a:defRPr sz="2400" kern="1200">
+                <a:solidFill>
+                  <a:schemeClr val="tx1"/>
+                </a:solidFill>
+                <a:latin typeface="+mn-lt"/>
+                <a:ea typeface="+mn-ea"/>
+                <a:cs typeface="+mn-cs"/>
+              </a:defRPr>
+            </a:lvl2pPr>
+            <a:lvl3pPr marL="1143000" indent="-228600" algn="l" defTabSz="914400" rtl="0" eaLnBrk="1" latinLnBrk="0" hangingPunct="1">
+              <a:lnSpc>
+                <a:spcPct val="90000"/>
+              </a:lnSpc>
+              <a:spcBef>
+                <a:spcPts val="500"/>
+              </a:spcBef>
+              <a:buFont typeface="Arial" panose="020B0604020202020204" pitchFamily="34" charset="0"/>
+              <a:buChar char="•"/>
+              <a:defRPr sz="2000" kern="1200">
+                <a:solidFill>
+                  <a:schemeClr val="tx1"/>
+                </a:solidFill>
+                <a:latin typeface="+mn-lt"/>
+                <a:ea typeface="+mn-ea"/>
+                <a:cs typeface="+mn-cs"/>
+              </a:defRPr>
+            </a:lvl3pPr>
+            <a:lvl4pPr marL="1600200" indent="-228600" algn="l" defTabSz="914400" rtl="0" eaLnBrk="1" latinLnBrk="0" hangingPunct="1">
+              <a:lnSpc>
+                <a:spcPct val="90000"/>
+              </a:lnSpc>
+              <a:spcBef>
+                <a:spcPts val="500"/>
+              </a:spcBef>
+              <a:buFont typeface="Arial" panose="020B0604020202020204" pitchFamily="34" charset="0"/>
+              <a:buChar char="•"/>
+              <a:defRPr sz="1800" kern="1200">
+                <a:solidFill>
+                  <a:schemeClr val="tx1"/>
+                </a:solidFill>
+                <a:latin typeface="+mn-lt"/>
+                <a:ea typeface="+mn-ea"/>
+                <a:cs typeface="+mn-cs"/>
+              </a:defRPr>
+            </a:lvl4pPr>
+            <a:lvl5pPr marL="2057400" indent="-228600" algn="l" defTabSz="914400" rtl="0" eaLnBrk="1" latinLnBrk="0" hangingPunct="1">
+              <a:lnSpc>
+                <a:spcPct val="90000"/>
+              </a:lnSpc>
+              <a:spcBef>
+                <a:spcPts val="500"/>
+              </a:spcBef>
+              <a:buFont typeface="Arial" panose="020B0604020202020204" pitchFamily="34" charset="0"/>
+              <a:buChar char="•"/>
+              <a:defRPr sz="1800" kern="1200">
+                <a:solidFill>
+                  <a:schemeClr val="tx1"/>
+                </a:solidFill>
+                <a:latin typeface="+mn-lt"/>
+                <a:ea typeface="+mn-ea"/>
+                <a:cs typeface="+mn-cs"/>
+              </a:defRPr>
+            </a:lvl5pPr>
+            <a:lvl6pPr marL="2514600" indent="-228600" algn="l" defTabSz="914400" rtl="0" eaLnBrk="1" latinLnBrk="0" hangingPunct="1">
+              <a:lnSpc>
+                <a:spcPct val="90000"/>
+              </a:lnSpc>
+              <a:spcBef>
+                <a:spcPts val="500"/>
+              </a:spcBef>
+              <a:buFont typeface="Arial" panose="020B0604020202020204" pitchFamily="34" charset="0"/>
+              <a:buChar char="•"/>
+              <a:defRPr sz="1800" kern="1200">
+                <a:solidFill>
+                  <a:schemeClr val="tx1"/>
+                </a:solidFill>
+                <a:latin typeface="+mn-lt"/>
+                <a:ea typeface="+mn-ea"/>
+                <a:cs typeface="+mn-cs"/>
+              </a:defRPr>
+            </a:lvl6pPr>
+            <a:lvl7pPr marL="2971800" indent="-228600" algn="l" defTabSz="914400" rtl="0" eaLnBrk="1" latinLnBrk="0" hangingPunct="1">
+              <a:lnSpc>
+                <a:spcPct val="90000"/>
+              </a:lnSpc>
+              <a:spcBef>
+                <a:spcPts val="500"/>
+              </a:spcBef>
+              <a:buFont typeface="Arial" panose="020B0604020202020204" pitchFamily="34" charset="0"/>
+              <a:buChar char="•"/>
+              <a:defRPr sz="1800" kern="1200">
+                <a:solidFill>
+                  <a:schemeClr val="tx1"/>
+                </a:solidFill>
+                <a:latin typeface="+mn-lt"/>
+                <a:ea typeface="+mn-ea"/>
+                <a:cs typeface="+mn-cs"/>
+              </a:defRPr>
+            </a:lvl7pPr>
+            <a:lvl8pPr marL="3429000" indent="-228600" algn="l" defTabSz="914400" rtl="0" eaLnBrk="1" latinLnBrk="0" hangingPunct="1">
+              <a:lnSpc>
+                <a:spcPct val="90000"/>
+              </a:lnSpc>
+              <a:spcBef>
+                <a:spcPts val="500"/>
+              </a:spcBef>
+              <a:buFont typeface="Arial" panose="020B0604020202020204" pitchFamily="34" charset="0"/>
+              <a:buChar char="•"/>
+              <a:defRPr sz="1800" kern="1200">
+                <a:solidFill>
+                  <a:schemeClr val="tx1"/>
+                </a:solidFill>
+                <a:latin typeface="+mn-lt"/>
+                <a:ea typeface="+mn-ea"/>
+                <a:cs typeface="+mn-cs"/>
+              </a:defRPr>
+            </a:lvl8pPr>
+            <a:lvl9pPr marL="3886200" indent="-228600" algn="l" defTabSz="914400" rtl="0" eaLnBrk="1" latinLnBrk="0" hangingPunct="1">
+              <a:lnSpc>
+                <a:spcPct val="90000"/>
+              </a:lnSpc>
+              <a:spcBef>
+                <a:spcPts val="500"/>
+              </a:spcBef>
+              <a:buFont typeface="Arial" panose="020B0604020202020204" pitchFamily="34" charset="0"/>
+              <a:buChar char="•"/>
+              <a:defRPr sz="1800" kern="1200">
+                <a:solidFill>
+                  <a:schemeClr val="tx1"/>
+                </a:solidFill>
+                <a:latin typeface="+mn-lt"/>
+                <a:ea typeface="+mn-ea"/>
+                <a:cs typeface="+mn-cs"/>
+              </a:defRPr>
+            </a:lvl9pPr>
+          </a:lstStyle>
+          <a:p>
+            <a:pPr marL="0" indent="0">
+              <a:buFont typeface="Arial" panose="020B0604020202020204" pitchFamily="34" charset="0"/>
+              <a:buNone/>
+            </a:pPr>
+            <a:r>
+              <a:rPr lang="es-ES" sz="2000" dirty="0">
+                <a:latin typeface="Arial" panose="020B0604020202020204" pitchFamily="34" charset="0"/>
+                <a:cs typeface="Arial" panose="020B0604020202020204" pitchFamily="34" charset="0"/>
+              </a:rPr>
+              <a:t>No</a:t>
+            </a:r>
+          </a:p>
+        </p:txBody>
+      </p:sp>
+      <p:sp>
+        <p:nvSpPr>
+          <p:cNvPr id="50" name="Elipse 49">
+            <a:extLst>
+              <a:ext uri="{FF2B5EF4-FFF2-40B4-BE49-F238E27FC236}">
+                <a16:creationId xmlns:a16="http://schemas.microsoft.com/office/drawing/2014/main" id="{5FA76967-89A4-4A6E-93A6-4CF3A7693DDB}"/>
+              </a:ext>
+            </a:extLst>
+          </p:cNvPr>
+          <p:cNvSpPr/>
+          <p:nvPr/>
+        </p:nvSpPr>
+        <p:spPr>
+          <a:xfrm>
+            <a:off x="1299824" y="5329855"/>
+            <a:ext cx="1717589" cy="939113"/>
+          </a:xfrm>
+          <a:prstGeom prst="ellipse">
+            <a:avLst/>
+          </a:prstGeom>
+          <a:noFill/>
+          <a:ln>
+            <a:solidFill>
+              <a:schemeClr val="tx1"/>
+            </a:solidFill>
+          </a:ln>
+        </p:spPr>
+        <p:style>
+          <a:lnRef idx="2">
+            <a:schemeClr val="accent1">
+              <a:shade val="50000"/>
+            </a:schemeClr>
+          </a:lnRef>
+          <a:fillRef idx="1">
+            <a:schemeClr val="accent1"/>
+          </a:fillRef>
+          <a:effectRef idx="0">
+            <a:schemeClr val="accent1"/>
+          </a:effectRef>
+          <a:fontRef idx="minor">
+            <a:schemeClr val="lt1"/>
+          </a:fontRef>
+        </p:style>
+        <p:txBody>
+          <a:bodyPr rtlCol="0" anchor="ctr"/>
+          <a:lstStyle/>
+          <a:p>
+            <a:pPr algn="ctr"/>
+            <a:r>
+              <a:rPr lang="es-ES" dirty="0">
+                <a:solidFill>
+                  <a:schemeClr val="tx1"/>
+                </a:solidFill>
+              </a:rPr>
+              <a:t>Verificar Errores</a:t>
+            </a:r>
+          </a:p>
+        </p:txBody>
+      </p:sp>
+      <p:cxnSp>
+        <p:nvCxnSpPr>
+          <p:cNvPr id="52" name="Conector recto de flecha 51">
+            <a:extLst>
+              <a:ext uri="{FF2B5EF4-FFF2-40B4-BE49-F238E27FC236}">
+                <a16:creationId xmlns:a16="http://schemas.microsoft.com/office/drawing/2014/main" id="{51D569BE-8DB7-474A-BB33-6CA39809DC65}"/>
+              </a:ext>
+            </a:extLst>
+          </p:cNvPr>
+          <p:cNvCxnSpPr>
+            <a:stCxn id="35" idx="4"/>
+            <a:endCxn id="50" idx="6"/>
+          </p:cNvCxnSpPr>
+          <p:nvPr/>
+        </p:nvCxnSpPr>
+        <p:spPr>
+          <a:xfrm flipH="1">
+            <a:off x="3017413" y="5298972"/>
+            <a:ext cx="333601" cy="500440"/>
+          </a:xfrm>
+          <a:prstGeom prst="straightConnector1">
+            <a:avLst/>
+          </a:prstGeom>
+          <a:ln>
+            <a:solidFill>
+              <a:schemeClr val="tx1"/>
+            </a:solidFill>
+            <a:tailEnd type="triangle"/>
+          </a:ln>
+        </p:spPr>
+        <p:style>
+          <a:lnRef idx="1">
+            <a:schemeClr val="accent1"/>
+          </a:lnRef>
+          <a:fillRef idx="0">
+            <a:schemeClr val="accent1"/>
+          </a:fillRef>
+          <a:effectRef idx="0">
+            <a:schemeClr val="accent1"/>
+          </a:effectRef>
+          <a:fontRef idx="minor">
+            <a:schemeClr val="tx1"/>
+          </a:fontRef>
+        </p:style>
+      </p:cxnSp>
+      <p:cxnSp>
+        <p:nvCxnSpPr>
+          <p:cNvPr id="56" name="Conector recto de flecha 55">
+            <a:extLst>
+              <a:ext uri="{FF2B5EF4-FFF2-40B4-BE49-F238E27FC236}">
+                <a16:creationId xmlns:a16="http://schemas.microsoft.com/office/drawing/2014/main" id="{7DFEF02E-F86D-4467-BC25-AB9686FE5499}"/>
+              </a:ext>
+            </a:extLst>
+          </p:cNvPr>
+          <p:cNvCxnSpPr>
+            <a:stCxn id="36" idx="4"/>
+            <a:endCxn id="50" idx="2"/>
+          </p:cNvCxnSpPr>
+          <p:nvPr/>
+        </p:nvCxnSpPr>
+        <p:spPr>
+          <a:xfrm>
+            <a:off x="1094906" y="5298972"/>
+            <a:ext cx="204918" cy="500440"/>
+          </a:xfrm>
+          <a:prstGeom prst="straightConnector1">
+            <a:avLst/>
+          </a:prstGeom>
+          <a:ln>
+            <a:solidFill>
+              <a:schemeClr val="tx1"/>
+            </a:solidFill>
+            <a:tailEnd type="triangle"/>
+          </a:ln>
+        </p:spPr>
+        <p:style>
+          <a:lnRef idx="1">
+            <a:schemeClr val="accent1"/>
+          </a:lnRef>
+          <a:fillRef idx="0">
+            <a:schemeClr val="accent1"/>
+          </a:fillRef>
+          <a:effectRef idx="0">
+            <a:schemeClr val="accent1"/>
+          </a:effectRef>
+          <a:fontRef idx="minor">
+            <a:schemeClr val="tx1"/>
+          </a:fontRef>
+        </p:style>
+      </p:cxnSp>
+      <p:cxnSp>
+        <p:nvCxnSpPr>
+          <p:cNvPr id="63" name="Conector: angular 62">
+            <a:extLst>
+              <a:ext uri="{FF2B5EF4-FFF2-40B4-BE49-F238E27FC236}">
+                <a16:creationId xmlns:a16="http://schemas.microsoft.com/office/drawing/2014/main" id="{E1D3AE25-C58F-4DC9-B6F9-9EF1F6C45798}"/>
+              </a:ext>
+            </a:extLst>
+          </p:cNvPr>
+          <p:cNvCxnSpPr>
+            <a:cxnSpLocks/>
+            <a:endCxn id="13" idx="3"/>
+          </p:cNvCxnSpPr>
+          <p:nvPr/>
+        </p:nvCxnSpPr>
+        <p:spPr>
+          <a:xfrm rot="16200000" flipV="1">
+            <a:off x="8628850" y="974092"/>
+            <a:ext cx="1498808" cy="453124"/>
+          </a:xfrm>
+          <a:prstGeom prst="bentConnector2">
+            <a:avLst/>
+          </a:prstGeom>
+          <a:ln>
+            <a:solidFill>
+              <a:schemeClr val="tx1"/>
+            </a:solidFill>
+            <a:tailEnd type="triangle"/>
+          </a:ln>
+        </p:spPr>
+        <p:style>
+          <a:lnRef idx="1">
+            <a:schemeClr val="accent1"/>
+          </a:lnRef>
+          <a:fillRef idx="0">
+            <a:schemeClr val="accent1"/>
+          </a:fillRef>
+          <a:effectRef idx="0">
+            <a:schemeClr val="accent1"/>
+          </a:effectRef>
+          <a:fontRef idx="minor">
+            <a:schemeClr val="tx1"/>
+          </a:fontRef>
+        </p:style>
+      </p:cxnSp>
+      <p:sp>
+        <p:nvSpPr>
+          <p:cNvPr id="66" name="Marcador de contenido 2">
+            <a:extLst>
+              <a:ext uri="{FF2B5EF4-FFF2-40B4-BE49-F238E27FC236}">
+                <a16:creationId xmlns:a16="http://schemas.microsoft.com/office/drawing/2014/main" id="{1837EEA4-0606-4500-BEC7-940A3BBFCB85}"/>
+              </a:ext>
+            </a:extLst>
+          </p:cNvPr>
+          <p:cNvSpPr txBox="1">
+            <a:spLocks/>
+          </p:cNvSpPr>
+          <p:nvPr/>
+        </p:nvSpPr>
+        <p:spPr>
+          <a:xfrm>
+            <a:off x="9604815" y="1176470"/>
+            <a:ext cx="456430" cy="435571"/>
+          </a:xfrm>
+          <a:prstGeom prst="rect">
+            <a:avLst/>
+          </a:prstGeom>
+        </p:spPr>
+        <p:txBody>
+          <a:bodyPr vert="horz" lIns="91440" tIns="45720" rIns="91440" bIns="45720" rtlCol="0">
+            <a:normAutofit fontScale="77500" lnSpcReduction="20000"/>
+          </a:bodyPr>
+          <a:lstStyle>
+            <a:lvl1pPr marL="228600" indent="-228600" algn="l" defTabSz="914400" rtl="0" eaLnBrk="1" latinLnBrk="0" hangingPunct="1">
+              <a:lnSpc>
+                <a:spcPct val="90000"/>
+              </a:lnSpc>
+              <a:spcBef>
+                <a:spcPts val="1000"/>
+              </a:spcBef>
+              <a:buFont typeface="Arial" panose="020B0604020202020204" pitchFamily="34" charset="0"/>
+              <a:buChar char="•"/>
+              <a:defRPr sz="2800" kern="1200">
+                <a:solidFill>
+                  <a:schemeClr val="tx1"/>
+                </a:solidFill>
+                <a:latin typeface="+mn-lt"/>
+                <a:ea typeface="+mn-ea"/>
+                <a:cs typeface="+mn-cs"/>
+              </a:defRPr>
+            </a:lvl1pPr>
+            <a:lvl2pPr marL="685800" indent="-228600" algn="l" defTabSz="914400" rtl="0" eaLnBrk="1" latinLnBrk="0" hangingPunct="1">
+              <a:lnSpc>
+                <a:spcPct val="90000"/>
+              </a:lnSpc>
+              <a:spcBef>
+                <a:spcPts val="500"/>
+              </a:spcBef>
+              <a:buFont typeface="Arial" panose="020B0604020202020204" pitchFamily="34" charset="0"/>
+              <a:buChar char="•"/>
+              <a:defRPr sz="2400" kern="1200">
+                <a:solidFill>
+                  <a:schemeClr val="tx1"/>
+                </a:solidFill>
+                <a:latin typeface="+mn-lt"/>
+                <a:ea typeface="+mn-ea"/>
+                <a:cs typeface="+mn-cs"/>
+              </a:defRPr>
+            </a:lvl2pPr>
+            <a:lvl3pPr marL="1143000" indent="-228600" algn="l" defTabSz="914400" rtl="0" eaLnBrk="1" latinLnBrk="0" hangingPunct="1">
+              <a:lnSpc>
+                <a:spcPct val="90000"/>
+              </a:lnSpc>
+              <a:spcBef>
+                <a:spcPts val="500"/>
+              </a:spcBef>
+              <a:buFont typeface="Arial" panose="020B0604020202020204" pitchFamily="34" charset="0"/>
+              <a:buChar char="•"/>
+              <a:defRPr sz="2000" kern="1200">
+                <a:solidFill>
+                  <a:schemeClr val="tx1"/>
+                </a:solidFill>
+                <a:latin typeface="+mn-lt"/>
+                <a:ea typeface="+mn-ea"/>
+                <a:cs typeface="+mn-cs"/>
+              </a:defRPr>
+            </a:lvl3pPr>
+            <a:lvl4pPr marL="1600200" indent="-228600" algn="l" defTabSz="914400" rtl="0" eaLnBrk="1" latinLnBrk="0" hangingPunct="1">
+              <a:lnSpc>
+                <a:spcPct val="90000"/>
+              </a:lnSpc>
+              <a:spcBef>
+                <a:spcPts val="500"/>
+              </a:spcBef>
+              <a:buFont typeface="Arial" panose="020B0604020202020204" pitchFamily="34" charset="0"/>
+              <a:buChar char="•"/>
+              <a:defRPr sz="1800" kern="1200">
+                <a:solidFill>
+                  <a:schemeClr val="tx1"/>
+                </a:solidFill>
+                <a:latin typeface="+mn-lt"/>
+                <a:ea typeface="+mn-ea"/>
+                <a:cs typeface="+mn-cs"/>
+              </a:defRPr>
+            </a:lvl4pPr>
+            <a:lvl5pPr marL="2057400" indent="-228600" algn="l" defTabSz="914400" rtl="0" eaLnBrk="1" latinLnBrk="0" hangingPunct="1">
+              <a:lnSpc>
+                <a:spcPct val="90000"/>
+              </a:lnSpc>
+              <a:spcBef>
+                <a:spcPts val="500"/>
+              </a:spcBef>
+              <a:buFont typeface="Arial" panose="020B0604020202020204" pitchFamily="34" charset="0"/>
+              <a:buChar char="•"/>
+              <a:defRPr sz="1800" kern="1200">
+                <a:solidFill>
+                  <a:schemeClr val="tx1"/>
+                </a:solidFill>
+                <a:latin typeface="+mn-lt"/>
+                <a:ea typeface="+mn-ea"/>
+                <a:cs typeface="+mn-cs"/>
+              </a:defRPr>
+            </a:lvl5pPr>
+            <a:lvl6pPr marL="2514600" indent="-228600" algn="l" defTabSz="914400" rtl="0" eaLnBrk="1" latinLnBrk="0" hangingPunct="1">
+              <a:lnSpc>
+                <a:spcPct val="90000"/>
+              </a:lnSpc>
+              <a:spcBef>
+                <a:spcPts val="500"/>
+              </a:spcBef>
+              <a:buFont typeface="Arial" panose="020B0604020202020204" pitchFamily="34" charset="0"/>
+              <a:buChar char="•"/>
+              <a:defRPr sz="1800" kern="1200">
+                <a:solidFill>
+                  <a:schemeClr val="tx1"/>
+                </a:solidFill>
+                <a:latin typeface="+mn-lt"/>
+                <a:ea typeface="+mn-ea"/>
+                <a:cs typeface="+mn-cs"/>
+              </a:defRPr>
+            </a:lvl6pPr>
+            <a:lvl7pPr marL="2971800" indent="-228600" algn="l" defTabSz="914400" rtl="0" eaLnBrk="1" latinLnBrk="0" hangingPunct="1">
+              <a:lnSpc>
+                <a:spcPct val="90000"/>
+              </a:lnSpc>
+              <a:spcBef>
+                <a:spcPts val="500"/>
+              </a:spcBef>
+              <a:buFont typeface="Arial" panose="020B0604020202020204" pitchFamily="34" charset="0"/>
+              <a:buChar char="•"/>
+              <a:defRPr sz="1800" kern="1200">
+                <a:solidFill>
+                  <a:schemeClr val="tx1"/>
+                </a:solidFill>
+                <a:latin typeface="+mn-lt"/>
+                <a:ea typeface="+mn-ea"/>
+                <a:cs typeface="+mn-cs"/>
+              </a:defRPr>
+            </a:lvl7pPr>
+            <a:lvl8pPr marL="3429000" indent="-228600" algn="l" defTabSz="914400" rtl="0" eaLnBrk="1" latinLnBrk="0" hangingPunct="1">
+              <a:lnSpc>
+                <a:spcPct val="90000"/>
+              </a:lnSpc>
+              <a:spcBef>
+                <a:spcPts val="500"/>
+              </a:spcBef>
+              <a:buFont typeface="Arial" panose="020B0604020202020204" pitchFamily="34" charset="0"/>
+              <a:buChar char="•"/>
+              <a:defRPr sz="1800" kern="1200">
+                <a:solidFill>
+                  <a:schemeClr val="tx1"/>
+                </a:solidFill>
+                <a:latin typeface="+mn-lt"/>
+                <a:ea typeface="+mn-ea"/>
+                <a:cs typeface="+mn-cs"/>
+              </a:defRPr>
+            </a:lvl8pPr>
+            <a:lvl9pPr marL="3886200" indent="-228600" algn="l" defTabSz="914400" rtl="0" eaLnBrk="1" latinLnBrk="0" hangingPunct="1">
+              <a:lnSpc>
+                <a:spcPct val="90000"/>
+              </a:lnSpc>
+              <a:spcBef>
+                <a:spcPts val="500"/>
+              </a:spcBef>
+              <a:buFont typeface="Arial" panose="020B0604020202020204" pitchFamily="34" charset="0"/>
+              <a:buChar char="•"/>
+              <a:defRPr sz="1800" kern="1200">
+                <a:solidFill>
+                  <a:schemeClr val="tx1"/>
+                </a:solidFill>
+                <a:latin typeface="+mn-lt"/>
+                <a:ea typeface="+mn-ea"/>
+                <a:cs typeface="+mn-cs"/>
+              </a:defRPr>
+            </a:lvl9pPr>
+          </a:lstStyle>
+          <a:p>
+            <a:pPr marL="0" indent="0">
+              <a:buFont typeface="Arial" panose="020B0604020202020204" pitchFamily="34" charset="0"/>
+              <a:buNone/>
+            </a:pPr>
+            <a:r>
+              <a:rPr lang="es-ES" sz="2000" dirty="0">
+                <a:latin typeface="Arial" panose="020B0604020202020204" pitchFamily="34" charset="0"/>
+                <a:cs typeface="Arial" panose="020B0604020202020204" pitchFamily="34" charset="0"/>
+              </a:rPr>
+              <a:t>No</a:t>
+            </a:r>
+          </a:p>
+        </p:txBody>
+      </p:sp>
+      <p:sp>
+        <p:nvSpPr>
+          <p:cNvPr id="72" name="Flecha: a la derecha 71">
+            <a:extLst>
+              <a:ext uri="{FF2B5EF4-FFF2-40B4-BE49-F238E27FC236}">
+                <a16:creationId xmlns:a16="http://schemas.microsoft.com/office/drawing/2014/main" id="{B2A79F44-D809-42D2-AEDC-9BAA27C5B731}"/>
+              </a:ext>
+            </a:extLst>
+          </p:cNvPr>
+          <p:cNvSpPr/>
+          <p:nvPr/>
+        </p:nvSpPr>
+        <p:spPr>
+          <a:xfrm rot="5400000">
+            <a:off x="1889358" y="1127409"/>
+            <a:ext cx="538519" cy="522330"/>
+          </a:xfrm>
+          <a:prstGeom prst="rightArrow">
+            <a:avLst/>
+          </a:prstGeom>
+          <a:solidFill>
+            <a:schemeClr val="bg1"/>
+          </a:solidFill>
+          <a:ln>
+            <a:solidFill>
+              <a:schemeClr val="tx1"/>
+            </a:solidFill>
+          </a:ln>
+        </p:spPr>
+        <p:style>
+          <a:lnRef idx="2">
+            <a:schemeClr val="accent1">
+              <a:shade val="50000"/>
+            </a:schemeClr>
+          </a:lnRef>
+          <a:fillRef idx="1">
+            <a:schemeClr val="accent1"/>
+          </a:fillRef>
+          <a:effectRef idx="0">
+            <a:schemeClr val="accent1"/>
+          </a:effectRef>
+          <a:fontRef idx="minor">
+            <a:schemeClr val="lt1"/>
+          </a:fontRef>
+        </p:style>
+        <p:txBody>
+          <a:bodyPr rtlCol="0" anchor="ctr"/>
+          <a:lstStyle/>
+          <a:p>
+            <a:pPr algn="ctr"/>
+            <a:endParaRPr lang="es-ES"/>
+          </a:p>
+        </p:txBody>
+      </p:sp>
+      <p:sp>
+        <p:nvSpPr>
+          <p:cNvPr id="73" name="Flecha: a la derecha 72">
+            <a:extLst>
+              <a:ext uri="{FF2B5EF4-FFF2-40B4-BE49-F238E27FC236}">
+                <a16:creationId xmlns:a16="http://schemas.microsoft.com/office/drawing/2014/main" id="{65870AA7-9366-4244-B9BD-F0F23C7DF4BB}"/>
+              </a:ext>
+            </a:extLst>
+          </p:cNvPr>
+          <p:cNvSpPr/>
+          <p:nvPr/>
+        </p:nvSpPr>
+        <p:spPr>
+          <a:xfrm rot="5400000">
+            <a:off x="8314229" y="926653"/>
+            <a:ext cx="538519" cy="522330"/>
+          </a:xfrm>
+          <a:prstGeom prst="rightArrow">
+            <a:avLst/>
+          </a:prstGeom>
+          <a:solidFill>
+            <a:schemeClr val="bg1"/>
+          </a:solidFill>
+          <a:ln>
+            <a:solidFill>
+              <a:schemeClr val="tx1"/>
+            </a:solidFill>
+          </a:ln>
+        </p:spPr>
+        <p:style>
+          <a:lnRef idx="2">
+            <a:schemeClr val="accent1">
+              <a:shade val="50000"/>
+            </a:schemeClr>
+          </a:lnRef>
+          <a:fillRef idx="1">
+            <a:schemeClr val="accent1"/>
+          </a:fillRef>
+          <a:effectRef idx="0">
+            <a:schemeClr val="accent1"/>
+          </a:effectRef>
+          <a:fontRef idx="minor">
+            <a:schemeClr val="lt1"/>
+          </a:fontRef>
+        </p:style>
+        <p:txBody>
+          <a:bodyPr rtlCol="0" anchor="ctr"/>
+          <a:lstStyle/>
+          <a:p>
+            <a:pPr algn="ctr"/>
+            <a:endParaRPr lang="es-ES"/>
+          </a:p>
+        </p:txBody>
+      </p:sp>
+      <p:sp>
+        <p:nvSpPr>
+          <p:cNvPr id="78" name="Rectángulo 77">
+            <a:extLst>
+              <a:ext uri="{FF2B5EF4-FFF2-40B4-BE49-F238E27FC236}">
+                <a16:creationId xmlns:a16="http://schemas.microsoft.com/office/drawing/2014/main" id="{64E6208D-8094-4E0C-8627-96A09CC4D7E0}"/>
+              </a:ext>
+            </a:extLst>
+          </p:cNvPr>
+          <p:cNvSpPr/>
+          <p:nvPr/>
+        </p:nvSpPr>
+        <p:spPr>
+          <a:xfrm>
+            <a:off x="4873580" y="1672515"/>
+            <a:ext cx="1253865" cy="633286"/>
+          </a:xfrm>
+          <a:prstGeom prst="rect">
+            <a:avLst/>
+          </a:prstGeom>
+          <a:solidFill>
+            <a:schemeClr val="bg1"/>
+          </a:solidFill>
+          <a:ln>
+            <a:solidFill>
+              <a:schemeClr val="tx1"/>
+            </a:solidFill>
+          </a:ln>
+        </p:spPr>
+        <p:style>
+          <a:lnRef idx="2">
+            <a:schemeClr val="accent1">
+              <a:shade val="50000"/>
+            </a:schemeClr>
+          </a:lnRef>
+          <a:fillRef idx="1">
+            <a:schemeClr val="accent1"/>
+          </a:fillRef>
+          <a:effectRef idx="0">
+            <a:schemeClr val="accent1"/>
+          </a:effectRef>
+          <a:fontRef idx="minor">
+            <a:schemeClr val="lt1"/>
+          </a:fontRef>
+        </p:style>
+        <p:txBody>
+          <a:bodyPr rtlCol="0" anchor="ctr"/>
+          <a:lstStyle/>
+          <a:p>
+            <a:pPr algn="ctr"/>
+            <a:r>
+              <a:rPr lang="es-ES" dirty="0">
+                <a:solidFill>
+                  <a:schemeClr val="tx1"/>
+                </a:solidFill>
+              </a:rPr>
+              <a:t>Predicción</a:t>
+            </a:r>
+          </a:p>
+        </p:txBody>
+      </p:sp>
+      <p:cxnSp>
+        <p:nvCxnSpPr>
+          <p:cNvPr id="80" name="Conector recto de flecha 79">
+            <a:extLst>
+              <a:ext uri="{FF2B5EF4-FFF2-40B4-BE49-F238E27FC236}">
+                <a16:creationId xmlns:a16="http://schemas.microsoft.com/office/drawing/2014/main" id="{EAEB2212-B975-4574-ADE8-FC831D0BB089}"/>
+              </a:ext>
+            </a:extLst>
+          </p:cNvPr>
+          <p:cNvCxnSpPr>
+            <a:stCxn id="8" idx="2"/>
+            <a:endCxn id="78" idx="0"/>
+          </p:cNvCxnSpPr>
+          <p:nvPr/>
+        </p:nvCxnSpPr>
+        <p:spPr>
+          <a:xfrm>
+            <a:off x="5491710" y="1388574"/>
+            <a:ext cx="8803" cy="283941"/>
+          </a:xfrm>
+          <a:prstGeom prst="straightConnector1">
+            <a:avLst/>
+          </a:prstGeom>
+          <a:ln>
+            <a:solidFill>
+              <a:schemeClr val="tx1"/>
+            </a:solidFill>
+            <a:tailEnd type="triangle"/>
+          </a:ln>
+        </p:spPr>
+        <p:style>
+          <a:lnRef idx="1">
+            <a:schemeClr val="accent1"/>
+          </a:lnRef>
+          <a:fillRef idx="0">
+            <a:schemeClr val="accent1"/>
+          </a:fillRef>
+          <a:effectRef idx="0">
+            <a:schemeClr val="accent1"/>
+          </a:effectRef>
+          <a:fontRef idx="minor">
+            <a:schemeClr val="tx1"/>
+          </a:fontRef>
+        </p:style>
+      </p:cxnSp>
+      <p:sp>
+        <p:nvSpPr>
+          <p:cNvPr id="81" name="Elipse 80">
+            <a:extLst>
+              <a:ext uri="{FF2B5EF4-FFF2-40B4-BE49-F238E27FC236}">
+                <a16:creationId xmlns:a16="http://schemas.microsoft.com/office/drawing/2014/main" id="{B069E9EA-4B0D-41A8-BDBE-6DAB7066616D}"/>
+              </a:ext>
+            </a:extLst>
+          </p:cNvPr>
+          <p:cNvSpPr/>
+          <p:nvPr/>
+        </p:nvSpPr>
+        <p:spPr>
+          <a:xfrm>
+            <a:off x="4636443" y="3102575"/>
+            <a:ext cx="1717589" cy="939113"/>
+          </a:xfrm>
+          <a:prstGeom prst="ellipse">
+            <a:avLst/>
+          </a:prstGeom>
+          <a:noFill/>
+          <a:ln>
+            <a:solidFill>
+              <a:schemeClr val="tx1"/>
+            </a:solidFill>
+          </a:ln>
+        </p:spPr>
+        <p:style>
+          <a:lnRef idx="2">
+            <a:schemeClr val="accent1">
+              <a:shade val="50000"/>
+            </a:schemeClr>
+          </a:lnRef>
+          <a:fillRef idx="1">
+            <a:schemeClr val="accent1"/>
+          </a:fillRef>
+          <a:effectRef idx="0">
+            <a:schemeClr val="accent1"/>
+          </a:effectRef>
+          <a:fontRef idx="minor">
+            <a:schemeClr val="lt1"/>
+          </a:fontRef>
+        </p:style>
+        <p:txBody>
+          <a:bodyPr rtlCol="0" anchor="ctr"/>
+          <a:lstStyle/>
+          <a:p>
+            <a:pPr algn="ctr"/>
+            <a:r>
+              <a:rPr lang="es-ES" dirty="0">
+                <a:solidFill>
+                  <a:schemeClr val="tx1"/>
+                </a:solidFill>
+              </a:rPr>
+              <a:t>Leer Sensor</a:t>
+            </a:r>
+          </a:p>
+        </p:txBody>
+      </p:sp>
+      <p:sp>
+        <p:nvSpPr>
+          <p:cNvPr id="82" name="Elipse 81">
+            <a:extLst>
+              <a:ext uri="{FF2B5EF4-FFF2-40B4-BE49-F238E27FC236}">
+                <a16:creationId xmlns:a16="http://schemas.microsoft.com/office/drawing/2014/main" id="{EBE3050F-5530-4E14-A5F0-273555683BEE}"/>
+              </a:ext>
+            </a:extLst>
+          </p:cNvPr>
+          <p:cNvSpPr/>
+          <p:nvPr/>
+        </p:nvSpPr>
+        <p:spPr>
+          <a:xfrm>
+            <a:off x="4635035" y="4327939"/>
+            <a:ext cx="1717589" cy="939113"/>
+          </a:xfrm>
+          <a:prstGeom prst="ellipse">
+            <a:avLst/>
+          </a:prstGeom>
+          <a:noFill/>
+          <a:ln>
+            <a:solidFill>
+              <a:schemeClr val="tx1"/>
+            </a:solidFill>
+          </a:ln>
+        </p:spPr>
+        <p:style>
+          <a:lnRef idx="2">
+            <a:schemeClr val="accent1">
+              <a:shade val="50000"/>
+            </a:schemeClr>
+          </a:lnRef>
+          <a:fillRef idx="1">
+            <a:schemeClr val="accent1"/>
+          </a:fillRef>
+          <a:effectRef idx="0">
+            <a:schemeClr val="accent1"/>
+          </a:effectRef>
+          <a:fontRef idx="minor">
+            <a:schemeClr val="lt1"/>
+          </a:fontRef>
+        </p:style>
+        <p:txBody>
+          <a:bodyPr rtlCol="0" anchor="ctr"/>
+          <a:lstStyle/>
+          <a:p>
+            <a:pPr algn="ctr"/>
+            <a:r>
+              <a:rPr lang="es-ES" dirty="0">
+                <a:solidFill>
+                  <a:schemeClr val="tx1"/>
+                </a:solidFill>
+              </a:rPr>
+              <a:t>Calculo Red</a:t>
+            </a:r>
+          </a:p>
+        </p:txBody>
+      </p:sp>
+      <p:sp>
+        <p:nvSpPr>
+          <p:cNvPr id="87" name="Elipse 86">
+            <a:extLst>
+              <a:ext uri="{FF2B5EF4-FFF2-40B4-BE49-F238E27FC236}">
+                <a16:creationId xmlns:a16="http://schemas.microsoft.com/office/drawing/2014/main" id="{4CDC7E2D-79F0-472B-8A38-1F998894515B}"/>
+              </a:ext>
+            </a:extLst>
+          </p:cNvPr>
+          <p:cNvSpPr/>
+          <p:nvPr/>
+        </p:nvSpPr>
+        <p:spPr>
+          <a:xfrm>
+            <a:off x="4635035" y="5588840"/>
+            <a:ext cx="1717589" cy="939113"/>
+          </a:xfrm>
+          <a:prstGeom prst="ellipse">
+            <a:avLst/>
+          </a:prstGeom>
+          <a:noFill/>
+          <a:ln>
+            <a:solidFill>
+              <a:schemeClr val="tx1"/>
+            </a:solidFill>
+          </a:ln>
+        </p:spPr>
+        <p:style>
+          <a:lnRef idx="2">
+            <a:schemeClr val="accent1">
+              <a:shade val="50000"/>
+            </a:schemeClr>
+          </a:lnRef>
+          <a:fillRef idx="1">
+            <a:schemeClr val="accent1"/>
+          </a:fillRef>
+          <a:effectRef idx="0">
+            <a:schemeClr val="accent1"/>
+          </a:effectRef>
+          <a:fontRef idx="minor">
+            <a:schemeClr val="lt1"/>
+          </a:fontRef>
+        </p:style>
+        <p:txBody>
+          <a:bodyPr rtlCol="0" anchor="ctr"/>
+          <a:lstStyle/>
+          <a:p>
+            <a:pPr algn="ctr"/>
+            <a:r>
+              <a:rPr lang="es-ES" dirty="0">
+                <a:solidFill>
+                  <a:schemeClr val="tx1"/>
+                </a:solidFill>
+              </a:rPr>
+              <a:t>Mostrar Resultado</a:t>
+            </a:r>
+          </a:p>
+        </p:txBody>
+      </p:sp>
+      <p:cxnSp>
+        <p:nvCxnSpPr>
+          <p:cNvPr id="89" name="Conector: angular 88">
+            <a:extLst>
+              <a:ext uri="{FF2B5EF4-FFF2-40B4-BE49-F238E27FC236}">
+                <a16:creationId xmlns:a16="http://schemas.microsoft.com/office/drawing/2014/main" id="{F4988A20-FB63-4080-BFE9-351D2A6502E3}"/>
+              </a:ext>
+            </a:extLst>
+          </p:cNvPr>
+          <p:cNvCxnSpPr>
+            <a:stCxn id="81" idx="6"/>
+            <a:endCxn id="82" idx="6"/>
+          </p:cNvCxnSpPr>
+          <p:nvPr/>
+        </p:nvCxnSpPr>
+        <p:spPr>
+          <a:xfrm flipH="1">
+            <a:off x="6352624" y="3572132"/>
+            <a:ext cx="1408" cy="1225364"/>
+          </a:xfrm>
+          <a:prstGeom prst="bentConnector3">
+            <a:avLst>
+              <a:gd name="adj1" fmla="val -16235795"/>
+            </a:avLst>
+          </a:prstGeom>
+          <a:ln>
+            <a:solidFill>
+              <a:schemeClr val="tx1"/>
+            </a:solidFill>
+            <a:tailEnd type="triangle"/>
+          </a:ln>
+        </p:spPr>
+        <p:style>
+          <a:lnRef idx="1">
+            <a:schemeClr val="accent1"/>
+          </a:lnRef>
+          <a:fillRef idx="0">
+            <a:schemeClr val="accent1"/>
+          </a:fillRef>
+          <a:effectRef idx="0">
+            <a:schemeClr val="accent1"/>
+          </a:effectRef>
+          <a:fontRef idx="minor">
+            <a:schemeClr val="tx1"/>
+          </a:fontRef>
+        </p:style>
+      </p:cxnSp>
+      <p:cxnSp>
+        <p:nvCxnSpPr>
+          <p:cNvPr id="91" name="Conector: angular 90">
+            <a:extLst>
+              <a:ext uri="{FF2B5EF4-FFF2-40B4-BE49-F238E27FC236}">
+                <a16:creationId xmlns:a16="http://schemas.microsoft.com/office/drawing/2014/main" id="{20C36A7A-6F33-4DB5-9095-07D8B45117AD}"/>
+              </a:ext>
+            </a:extLst>
+          </p:cNvPr>
+          <p:cNvCxnSpPr>
+            <a:stCxn id="82" idx="2"/>
+            <a:endCxn id="87" idx="2"/>
+          </p:cNvCxnSpPr>
+          <p:nvPr/>
+        </p:nvCxnSpPr>
+        <p:spPr>
+          <a:xfrm rot="10800000" flipV="1">
+            <a:off x="4635035" y="4797495"/>
+            <a:ext cx="12700" cy="1260901"/>
+          </a:xfrm>
+          <a:prstGeom prst="bentConnector3">
+            <a:avLst>
+              <a:gd name="adj1" fmla="val 1800000"/>
+            </a:avLst>
+          </a:prstGeom>
+          <a:ln>
+            <a:solidFill>
+              <a:schemeClr val="tx1"/>
+            </a:solidFill>
+            <a:tailEnd type="triangle"/>
+          </a:ln>
+        </p:spPr>
+        <p:style>
+          <a:lnRef idx="1">
+            <a:schemeClr val="accent1"/>
+          </a:lnRef>
+          <a:fillRef idx="0">
+            <a:schemeClr val="accent1"/>
+          </a:fillRef>
+          <a:effectRef idx="0">
+            <a:schemeClr val="accent1"/>
+          </a:effectRef>
+          <a:fontRef idx="minor">
+            <a:schemeClr val="tx1"/>
+          </a:fontRef>
+        </p:style>
+      </p:cxnSp>
+      <p:sp>
+        <p:nvSpPr>
+          <p:cNvPr id="95" name="Flecha: a la derecha 94">
+            <a:extLst>
+              <a:ext uri="{FF2B5EF4-FFF2-40B4-BE49-F238E27FC236}">
+                <a16:creationId xmlns:a16="http://schemas.microsoft.com/office/drawing/2014/main" id="{22526C82-FC0F-4B20-821B-B89458232A5F}"/>
+              </a:ext>
+            </a:extLst>
+          </p:cNvPr>
+          <p:cNvSpPr/>
+          <p:nvPr/>
+        </p:nvSpPr>
+        <p:spPr>
+          <a:xfrm rot="5400000">
+            <a:off x="5222449" y="2448078"/>
+            <a:ext cx="538519" cy="522330"/>
+          </a:xfrm>
+          <a:prstGeom prst="rightArrow">
+            <a:avLst/>
+          </a:prstGeom>
+          <a:solidFill>
+            <a:schemeClr val="bg1"/>
+          </a:solidFill>
+          <a:ln>
+            <a:solidFill>
+              <a:schemeClr val="tx1"/>
+            </a:solidFill>
+          </a:ln>
+        </p:spPr>
+        <p:style>
+          <a:lnRef idx="2">
+            <a:schemeClr val="accent1">
+              <a:shade val="50000"/>
+            </a:schemeClr>
+          </a:lnRef>
+          <a:fillRef idx="1">
+            <a:schemeClr val="accent1"/>
+          </a:fillRef>
+          <a:effectRef idx="0">
+            <a:schemeClr val="accent1"/>
+          </a:effectRef>
+          <a:fontRef idx="minor">
+            <a:schemeClr val="lt1"/>
+          </a:fontRef>
+        </p:style>
+        <p:txBody>
+          <a:bodyPr rtlCol="0" anchor="ctr"/>
+          <a:lstStyle/>
+          <a:p>
+            <a:pPr algn="ctr"/>
+            <a:endParaRPr lang="es-ES"/>
+          </a:p>
+        </p:txBody>
+      </p:sp>
+      <p:cxnSp>
+        <p:nvCxnSpPr>
+          <p:cNvPr id="99" name="Conector: angular 98">
+            <a:extLst>
+              <a:ext uri="{FF2B5EF4-FFF2-40B4-BE49-F238E27FC236}">
+                <a16:creationId xmlns:a16="http://schemas.microsoft.com/office/drawing/2014/main" id="{805577AB-A0A8-49D1-982A-011D936FB81E}"/>
+              </a:ext>
+            </a:extLst>
+          </p:cNvPr>
+          <p:cNvCxnSpPr>
+            <a:stCxn id="8" idx="3"/>
+            <a:endCxn id="31" idx="3"/>
+          </p:cNvCxnSpPr>
+          <p:nvPr/>
+        </p:nvCxnSpPr>
+        <p:spPr>
+          <a:xfrm>
+            <a:off x="6394783" y="878860"/>
+            <a:ext cx="1447493" cy="1073508"/>
+          </a:xfrm>
+          <a:prstGeom prst="bentConnector3">
+            <a:avLst/>
+          </a:prstGeom>
+          <a:ln>
+            <a:solidFill>
+              <a:schemeClr val="tx1"/>
+            </a:solidFill>
+            <a:tailEnd type="triangle"/>
+          </a:ln>
+        </p:spPr>
+        <p:style>
+          <a:lnRef idx="1">
+            <a:schemeClr val="accent1"/>
+          </a:lnRef>
+          <a:fillRef idx="0">
+            <a:schemeClr val="accent1"/>
+          </a:fillRef>
+          <a:effectRef idx="0">
+            <a:schemeClr val="accent1"/>
+          </a:effectRef>
+          <a:fontRef idx="minor">
+            <a:schemeClr val="tx1"/>
+          </a:fontRef>
+        </p:style>
+      </p:cxnSp>
     </p:spTree>
     <p:extLst>
       <p:ext uri="{BB962C8B-B14F-4D97-AF65-F5344CB8AC3E}">

--- a/Presentación1.pptx
+++ b/Presentación1.pptx
@@ -17,6 +17,7 @@
     <p:sldId id="265" r:id="rId11"/>
     <p:sldId id="266" r:id="rId12"/>
     <p:sldId id="267" r:id="rId13"/>
+    <p:sldId id="268" r:id="rId14"/>
   </p:sldIdLst>
   <p:sldSz cx="12192000" cy="6858000"/>
   <p:notesSz cx="6858000" cy="9144000"/>
@@ -270,7 +271,7 @@
           <a:p>
             <a:fld id="{A9900BFC-E2E8-4146-986D-2BA24E13E9FA}" type="datetimeFigureOut">
               <a:rPr lang="es-ES" smtClean="0"/>
-              <a:t>08/11/2023</a:t>
+              <a:t>16/11/2023</a:t>
             </a:fld>
             <a:endParaRPr lang="es-ES"/>
           </a:p>
@@ -468,7 +469,7 @@
           <a:p>
             <a:fld id="{A9900BFC-E2E8-4146-986D-2BA24E13E9FA}" type="datetimeFigureOut">
               <a:rPr lang="es-ES" smtClean="0"/>
-              <a:t>08/11/2023</a:t>
+              <a:t>16/11/2023</a:t>
             </a:fld>
             <a:endParaRPr lang="es-ES"/>
           </a:p>
@@ -676,7 +677,7 @@
           <a:p>
             <a:fld id="{A9900BFC-E2E8-4146-986D-2BA24E13E9FA}" type="datetimeFigureOut">
               <a:rPr lang="es-ES" smtClean="0"/>
-              <a:t>08/11/2023</a:t>
+              <a:t>16/11/2023</a:t>
             </a:fld>
             <a:endParaRPr lang="es-ES"/>
           </a:p>
@@ -874,7 +875,7 @@
           <a:p>
             <a:fld id="{A9900BFC-E2E8-4146-986D-2BA24E13E9FA}" type="datetimeFigureOut">
               <a:rPr lang="es-ES" smtClean="0"/>
-              <a:t>08/11/2023</a:t>
+              <a:t>16/11/2023</a:t>
             </a:fld>
             <a:endParaRPr lang="es-ES"/>
           </a:p>
@@ -1149,7 +1150,7 @@
           <a:p>
             <a:fld id="{A9900BFC-E2E8-4146-986D-2BA24E13E9FA}" type="datetimeFigureOut">
               <a:rPr lang="es-ES" smtClean="0"/>
-              <a:t>08/11/2023</a:t>
+              <a:t>16/11/2023</a:t>
             </a:fld>
             <a:endParaRPr lang="es-ES"/>
           </a:p>
@@ -1414,7 +1415,7 @@
           <a:p>
             <a:fld id="{A9900BFC-E2E8-4146-986D-2BA24E13E9FA}" type="datetimeFigureOut">
               <a:rPr lang="es-ES" smtClean="0"/>
-              <a:t>08/11/2023</a:t>
+              <a:t>16/11/2023</a:t>
             </a:fld>
             <a:endParaRPr lang="es-ES"/>
           </a:p>
@@ -1826,7 +1827,7 @@
           <a:p>
             <a:fld id="{A9900BFC-E2E8-4146-986D-2BA24E13E9FA}" type="datetimeFigureOut">
               <a:rPr lang="es-ES" smtClean="0"/>
-              <a:t>08/11/2023</a:t>
+              <a:t>16/11/2023</a:t>
             </a:fld>
             <a:endParaRPr lang="es-ES"/>
           </a:p>
@@ -1967,7 +1968,7 @@
           <a:p>
             <a:fld id="{A9900BFC-E2E8-4146-986D-2BA24E13E9FA}" type="datetimeFigureOut">
               <a:rPr lang="es-ES" smtClean="0"/>
-              <a:t>08/11/2023</a:t>
+              <a:t>16/11/2023</a:t>
             </a:fld>
             <a:endParaRPr lang="es-ES"/>
           </a:p>
@@ -2080,7 +2081,7 @@
           <a:p>
             <a:fld id="{A9900BFC-E2E8-4146-986D-2BA24E13E9FA}" type="datetimeFigureOut">
               <a:rPr lang="es-ES" smtClean="0"/>
-              <a:t>08/11/2023</a:t>
+              <a:t>16/11/2023</a:t>
             </a:fld>
             <a:endParaRPr lang="es-ES"/>
           </a:p>
@@ -2391,7 +2392,7 @@
           <a:p>
             <a:fld id="{A9900BFC-E2E8-4146-986D-2BA24E13E9FA}" type="datetimeFigureOut">
               <a:rPr lang="es-ES" smtClean="0"/>
-              <a:t>08/11/2023</a:t>
+              <a:t>16/11/2023</a:t>
             </a:fld>
             <a:endParaRPr lang="es-ES"/>
           </a:p>
@@ -2679,7 +2680,7 @@
           <a:p>
             <a:fld id="{A9900BFC-E2E8-4146-986D-2BA24E13E9FA}" type="datetimeFigureOut">
               <a:rPr lang="es-ES" smtClean="0"/>
-              <a:t>08/11/2023</a:t>
+              <a:t>16/11/2023</a:t>
             </a:fld>
             <a:endParaRPr lang="es-ES"/>
           </a:p>
@@ -2920,7 +2921,7 @@
           <a:p>
             <a:fld id="{A9900BFC-E2E8-4146-986D-2BA24E13E9FA}" type="datetimeFigureOut">
               <a:rPr lang="es-ES" smtClean="0"/>
-              <a:t>08/11/2023</a:t>
+              <a:t>16/11/2023</a:t>
             </a:fld>
             <a:endParaRPr lang="es-ES"/>
           </a:p>
@@ -4515,56 +4516,6 @@
           <a:chExt cx="0" cy="0"/>
         </a:xfrm>
       </p:grpSpPr>
-      <p:sp>
-        <p:nvSpPr>
-          <p:cNvPr id="2" name="Título 1">
-            <a:extLst>
-              <a:ext uri="{FF2B5EF4-FFF2-40B4-BE49-F238E27FC236}">
-                <a16:creationId xmlns:a16="http://schemas.microsoft.com/office/drawing/2014/main" id="{67A1440F-99A2-4B0B-9D98-A1D342AFF670}"/>
-              </a:ext>
-            </a:extLst>
-          </p:cNvPr>
-          <p:cNvSpPr>
-            <a:spLocks noGrp="1"/>
-          </p:cNvSpPr>
-          <p:nvPr>
-            <p:ph type="title"/>
-          </p:nvPr>
-        </p:nvSpPr>
-        <p:spPr/>
-        <p:txBody>
-          <a:bodyPr/>
-          <a:lstStyle/>
-          <a:p>
-            <a:endParaRPr lang="es-ES"/>
-          </a:p>
-        </p:txBody>
-      </p:sp>
-      <p:sp>
-        <p:nvSpPr>
-          <p:cNvPr id="3" name="Marcador de contenido 2">
-            <a:extLst>
-              <a:ext uri="{FF2B5EF4-FFF2-40B4-BE49-F238E27FC236}">
-                <a16:creationId xmlns:a16="http://schemas.microsoft.com/office/drawing/2014/main" id="{363238B9-6780-4A12-82AF-726B7D6F236C}"/>
-              </a:ext>
-            </a:extLst>
-          </p:cNvPr>
-          <p:cNvSpPr>
-            <a:spLocks noGrp="1"/>
-          </p:cNvSpPr>
-          <p:nvPr>
-            <p:ph idx="1"/>
-          </p:nvPr>
-        </p:nvSpPr>
-        <p:spPr/>
-        <p:txBody>
-          <a:bodyPr/>
-          <a:lstStyle/>
-          <a:p>
-            <a:endParaRPr lang="es-ES"/>
-          </a:p>
-        </p:txBody>
-      </p:sp>
       <p:pic>
         <p:nvPicPr>
           <p:cNvPr id="5" name="Imagen 4">
@@ -4623,10 +4574,276 @@
           </a:prstGeom>
         </p:spPr>
       </p:pic>
+      <p:pic>
+        <p:nvPicPr>
+          <p:cNvPr id="7" name="Imagen 6">
+            <a:extLst>
+              <a:ext uri="{FF2B5EF4-FFF2-40B4-BE49-F238E27FC236}">
+                <a16:creationId xmlns:a16="http://schemas.microsoft.com/office/drawing/2014/main" id="{F3602C1A-80D9-4056-B62C-2A178F8B6717}"/>
+              </a:ext>
+            </a:extLst>
+          </p:cNvPr>
+          <p:cNvPicPr/>
+          <p:nvPr/>
+        </p:nvPicPr>
+        <p:blipFill rotWithShape="1">
+          <a:blip r:embed="rId4"/>
+          <a:srcRect l="16934" t="29155" r="23190" b="13496"/>
+          <a:stretch/>
+        </p:blipFill>
+        <p:spPr bwMode="auto">
+          <a:xfrm>
+            <a:off x="7723264" y="916288"/>
+            <a:ext cx="3986530" cy="2146300"/>
+          </a:xfrm>
+          <a:prstGeom prst="rect">
+            <a:avLst/>
+          </a:prstGeom>
+          <a:ln>
+            <a:noFill/>
+          </a:ln>
+          <a:extLst>
+            <a:ext uri="{53640926-AAD7-44D8-BBD7-CCE9431645EC}">
+              <a14:shadowObscured xmlns:a14="http://schemas.microsoft.com/office/drawing/2010/main"/>
+            </a:ext>
+          </a:extLst>
+        </p:spPr>
+      </p:pic>
+      <p:pic>
+        <p:nvPicPr>
+          <p:cNvPr id="8" name="Imagen 7">
+            <a:extLst>
+              <a:ext uri="{FF2B5EF4-FFF2-40B4-BE49-F238E27FC236}">
+                <a16:creationId xmlns:a16="http://schemas.microsoft.com/office/drawing/2014/main" id="{EFA34838-DB3E-4616-95EC-7BEF1B4262D8}"/>
+              </a:ext>
+            </a:extLst>
+          </p:cNvPr>
+          <p:cNvPicPr/>
+          <p:nvPr/>
+        </p:nvPicPr>
+        <p:blipFill rotWithShape="1">
+          <a:blip r:embed="rId5"/>
+          <a:srcRect l="27771" t="28433" r="31718" b="6738"/>
+          <a:stretch/>
+        </p:blipFill>
+        <p:spPr bwMode="auto">
+          <a:xfrm>
+            <a:off x="278645" y="916288"/>
+            <a:ext cx="3825240" cy="3441700"/>
+          </a:xfrm>
+          <a:prstGeom prst="rect">
+            <a:avLst/>
+          </a:prstGeom>
+          <a:ln>
+            <a:noFill/>
+          </a:ln>
+          <a:extLst>
+            <a:ext uri="{53640926-AAD7-44D8-BBD7-CCE9431645EC}">
+              <a14:shadowObscured xmlns:a14="http://schemas.microsoft.com/office/drawing/2010/main"/>
+            </a:ext>
+          </a:extLst>
+        </p:spPr>
+      </p:pic>
+      <p:pic>
+        <p:nvPicPr>
+          <p:cNvPr id="9" name="Imagen 8">
+            <a:extLst>
+              <a:ext uri="{FF2B5EF4-FFF2-40B4-BE49-F238E27FC236}">
+                <a16:creationId xmlns:a16="http://schemas.microsoft.com/office/drawing/2014/main" id="{54C891AF-58BD-4C06-8FB8-FADB1450C3E0}"/>
+              </a:ext>
+            </a:extLst>
+          </p:cNvPr>
+          <p:cNvPicPr/>
+          <p:nvPr/>
+        </p:nvPicPr>
+        <p:blipFill rotWithShape="1">
+          <a:blip r:embed="rId2"/>
+          <a:srcRect l="22702" t="32244" r="19527" b="31342"/>
+          <a:stretch/>
+        </p:blipFill>
+        <p:spPr>
+          <a:xfrm>
+            <a:off x="4316489" y="4707924"/>
+            <a:ext cx="5400040" cy="1913255"/>
+          </a:xfrm>
+          <a:prstGeom prst="rect">
+            <a:avLst/>
+          </a:prstGeom>
+        </p:spPr>
+      </p:pic>
     </p:spTree>
     <p:extLst>
       <p:ext uri="{BB962C8B-B14F-4D97-AF65-F5344CB8AC3E}">
         <p14:creationId xmlns:p14="http://schemas.microsoft.com/office/powerpoint/2010/main" val="535473812"/>
+      </p:ext>
+    </p:extLst>
+  </p:cSld>
+  <p:clrMapOvr>
+    <a:masterClrMapping/>
+  </p:clrMapOvr>
+</p:sld>
+</file>
+
+<file path=ppt/slides/slide13.xml><?xml version="1.0" encoding="utf-8"?>
+<p:sld xmlns:a="http://schemas.openxmlformats.org/drawingml/2006/main" xmlns:r="http://schemas.openxmlformats.org/officeDocument/2006/relationships" xmlns:p="http://schemas.openxmlformats.org/presentationml/2006/main">
+  <p:cSld>
+    <p:spTree>
+      <p:nvGrpSpPr>
+        <p:cNvPr id="1" name=""/>
+        <p:cNvGrpSpPr/>
+        <p:nvPr/>
+      </p:nvGrpSpPr>
+      <p:grpSpPr>
+        <a:xfrm>
+          <a:off x="0" y="0"/>
+          <a:ext cx="0" cy="0"/>
+          <a:chOff x="0" y="0"/>
+          <a:chExt cx="0" cy="0"/>
+        </a:xfrm>
+      </p:grpSpPr>
+      <p:pic>
+        <p:nvPicPr>
+          <p:cNvPr id="4" name="Imagen 3">
+            <a:extLst>
+              <a:ext uri="{FF2B5EF4-FFF2-40B4-BE49-F238E27FC236}">
+                <a16:creationId xmlns:a16="http://schemas.microsoft.com/office/drawing/2014/main" id="{D8DDB077-4A65-4DD1-B88A-80288BF9413A}"/>
+              </a:ext>
+            </a:extLst>
+          </p:cNvPr>
+          <p:cNvPicPr/>
+          <p:nvPr/>
+        </p:nvPicPr>
+        <p:blipFill rotWithShape="1">
+          <a:blip r:embed="rId2"/>
+          <a:srcRect l="14359" t="49396" r="19658" b="5298"/>
+          <a:stretch/>
+        </p:blipFill>
+        <p:spPr bwMode="auto">
+          <a:xfrm>
+            <a:off x="2508421" y="1964913"/>
+            <a:ext cx="7586019" cy="2928174"/>
+          </a:xfrm>
+          <a:prstGeom prst="rect">
+            <a:avLst/>
+          </a:prstGeom>
+          <a:ln>
+            <a:noFill/>
+          </a:ln>
+          <a:extLst>
+            <a:ext uri="{53640926-AAD7-44D8-BBD7-CCE9431645EC}">
+              <a14:shadowObscured xmlns:a14="http://schemas.microsoft.com/office/drawing/2010/main"/>
+            </a:ext>
+          </a:extLst>
+        </p:spPr>
+      </p:pic>
+      <p:sp>
+        <p:nvSpPr>
+          <p:cNvPr id="5" name="Rectángulo 4">
+            <a:extLst>
+              <a:ext uri="{FF2B5EF4-FFF2-40B4-BE49-F238E27FC236}">
+                <a16:creationId xmlns:a16="http://schemas.microsoft.com/office/drawing/2014/main" id="{072EC823-8449-439B-9FC8-6A159A46765B}"/>
+              </a:ext>
+            </a:extLst>
+          </p:cNvPr>
+          <p:cNvSpPr/>
+          <p:nvPr/>
+        </p:nvSpPr>
+        <p:spPr>
+          <a:xfrm>
+            <a:off x="790832" y="2137719"/>
+            <a:ext cx="1841157" cy="2496065"/>
+          </a:xfrm>
+          <a:prstGeom prst="rect">
+            <a:avLst/>
+          </a:prstGeom>
+          <a:solidFill>
+            <a:srgbClr val="5899D1"/>
+          </a:solidFill>
+        </p:spPr>
+        <p:style>
+          <a:lnRef idx="2">
+            <a:schemeClr val="accent1">
+              <a:shade val="50000"/>
+            </a:schemeClr>
+          </a:lnRef>
+          <a:fillRef idx="1">
+            <a:schemeClr val="accent1"/>
+          </a:fillRef>
+          <a:effectRef idx="0">
+            <a:schemeClr val="accent1"/>
+          </a:effectRef>
+          <a:fontRef idx="minor">
+            <a:schemeClr val="lt1"/>
+          </a:fontRef>
+        </p:style>
+        <p:txBody>
+          <a:bodyPr rtlCol="0" anchor="ctr"/>
+          <a:lstStyle/>
+          <a:p>
+            <a:pPr algn="ctr"/>
+            <a:r>
+              <a:rPr lang="es-ES" dirty="0"/>
+              <a:t>Entradas</a:t>
+            </a:r>
+          </a:p>
+        </p:txBody>
+      </p:sp>
+      <p:sp>
+        <p:nvSpPr>
+          <p:cNvPr id="6" name="Rectángulo 5">
+            <a:extLst>
+              <a:ext uri="{FF2B5EF4-FFF2-40B4-BE49-F238E27FC236}">
+                <a16:creationId xmlns:a16="http://schemas.microsoft.com/office/drawing/2014/main" id="{2821584D-5760-4CB6-A827-6CFE6F50A8E1}"/>
+              </a:ext>
+            </a:extLst>
+          </p:cNvPr>
+          <p:cNvSpPr/>
+          <p:nvPr/>
+        </p:nvSpPr>
+        <p:spPr>
+          <a:xfrm>
+            <a:off x="9803026" y="3063446"/>
+            <a:ext cx="1058563" cy="731108"/>
+          </a:xfrm>
+          <a:prstGeom prst="rect">
+            <a:avLst/>
+          </a:prstGeom>
+          <a:solidFill>
+            <a:srgbClr val="5899D1"/>
+          </a:solidFill>
+        </p:spPr>
+        <p:style>
+          <a:lnRef idx="2">
+            <a:schemeClr val="accent1">
+              <a:shade val="50000"/>
+            </a:schemeClr>
+          </a:lnRef>
+          <a:fillRef idx="1">
+            <a:schemeClr val="accent1"/>
+          </a:fillRef>
+          <a:effectRef idx="0">
+            <a:schemeClr val="accent1"/>
+          </a:effectRef>
+          <a:fontRef idx="minor">
+            <a:schemeClr val="lt1"/>
+          </a:fontRef>
+        </p:style>
+        <p:txBody>
+          <a:bodyPr rtlCol="0" anchor="ctr"/>
+          <a:lstStyle/>
+          <a:p>
+            <a:pPr algn="ctr"/>
+            <a:r>
+              <a:rPr lang="es-ES" dirty="0"/>
+              <a:t>Salida</a:t>
+            </a:r>
+          </a:p>
+        </p:txBody>
+      </p:sp>
+    </p:spTree>
+    <p:extLst>
+      <p:ext uri="{BB962C8B-B14F-4D97-AF65-F5344CB8AC3E}">
+        <p14:creationId xmlns:p14="http://schemas.microsoft.com/office/powerpoint/2010/main" val="3265476652"/>
       </p:ext>
     </p:extLst>
   </p:cSld>

--- a/Presentación1.pptx
+++ b/Presentación1.pptx
@@ -18,6 +18,8 @@
     <p:sldId id="266" r:id="rId12"/>
     <p:sldId id="267" r:id="rId13"/>
     <p:sldId id="268" r:id="rId14"/>
+    <p:sldId id="269" r:id="rId15"/>
+    <p:sldId id="270" r:id="rId16"/>
   </p:sldIdLst>
   <p:sldSz cx="12192000" cy="6858000"/>
   <p:notesSz cx="6858000" cy="9144000"/>
@@ -3916,31 +3918,6 @@
       </p:grpSpPr>
       <p:sp>
         <p:nvSpPr>
-          <p:cNvPr id="3" name="Marcador de contenido 2">
-            <a:extLst>
-              <a:ext uri="{FF2B5EF4-FFF2-40B4-BE49-F238E27FC236}">
-                <a16:creationId xmlns:a16="http://schemas.microsoft.com/office/drawing/2014/main" id="{0DDBEE3A-8C70-48AC-9985-D81EEE6B4DC5}"/>
-              </a:ext>
-            </a:extLst>
-          </p:cNvPr>
-          <p:cNvSpPr>
-            <a:spLocks noGrp="1"/>
-          </p:cNvSpPr>
-          <p:nvPr>
-            <p:ph idx="1"/>
-          </p:nvPr>
-        </p:nvSpPr>
-        <p:spPr/>
-        <p:txBody>
-          <a:bodyPr/>
-          <a:lstStyle/>
-          <a:p>
-            <a:endParaRPr lang="es-ES" dirty="0"/>
-          </a:p>
-        </p:txBody>
-      </p:sp>
-      <p:sp>
-        <p:nvSpPr>
           <p:cNvPr id="4" name="Rectángulo 3">
             <a:extLst>
               <a:ext uri="{FF2B5EF4-FFF2-40B4-BE49-F238E27FC236}">
@@ -4844,6 +4821,160 @@
     <p:extLst>
       <p:ext uri="{BB962C8B-B14F-4D97-AF65-F5344CB8AC3E}">
         <p14:creationId xmlns:p14="http://schemas.microsoft.com/office/powerpoint/2010/main" val="3265476652"/>
+      </p:ext>
+    </p:extLst>
+  </p:cSld>
+  <p:clrMapOvr>
+    <a:masterClrMapping/>
+  </p:clrMapOvr>
+</p:sld>
+</file>
+
+<file path=ppt/slides/slide14.xml><?xml version="1.0" encoding="utf-8"?>
+<p:sld xmlns:a="http://schemas.openxmlformats.org/drawingml/2006/main" xmlns:r="http://schemas.openxmlformats.org/officeDocument/2006/relationships" xmlns:p="http://schemas.openxmlformats.org/presentationml/2006/main">
+  <p:cSld>
+    <p:spTree>
+      <p:nvGrpSpPr>
+        <p:cNvPr id="1" name=""/>
+        <p:cNvGrpSpPr/>
+        <p:nvPr/>
+      </p:nvGrpSpPr>
+      <p:grpSpPr>
+        <a:xfrm>
+          <a:off x="0" y="0"/>
+          <a:ext cx="0" cy="0"/>
+          <a:chOff x="0" y="0"/>
+          <a:chExt cx="0" cy="0"/>
+        </a:xfrm>
+      </p:grpSpPr>
+      <p:pic>
+        <p:nvPicPr>
+          <p:cNvPr id="4" name="Imagen 3">
+            <a:extLst>
+              <a:ext uri="{FF2B5EF4-FFF2-40B4-BE49-F238E27FC236}">
+                <a16:creationId xmlns:a16="http://schemas.microsoft.com/office/drawing/2014/main" id="{318EDEAA-EE26-4C24-A711-80CD4FD1410C}"/>
+              </a:ext>
+            </a:extLst>
+          </p:cNvPr>
+          <p:cNvPicPr>
+            <a:picLocks noChangeAspect="1"/>
+          </p:cNvPicPr>
+          <p:nvPr/>
+        </p:nvPicPr>
+        <p:blipFill rotWithShape="1">
+          <a:blip r:embed="rId2"/>
+          <a:srcRect l="36385" t="41258" r="10608" b="13134"/>
+          <a:stretch/>
+        </p:blipFill>
+        <p:spPr>
+          <a:xfrm>
+            <a:off x="910607" y="920578"/>
+            <a:ext cx="10370785" cy="5016844"/>
+          </a:xfrm>
+          <a:prstGeom prst="rect">
+            <a:avLst/>
+          </a:prstGeom>
+        </p:spPr>
+      </p:pic>
+    </p:spTree>
+    <p:extLst>
+      <p:ext uri="{BB962C8B-B14F-4D97-AF65-F5344CB8AC3E}">
+        <p14:creationId xmlns:p14="http://schemas.microsoft.com/office/powerpoint/2010/main" val="3800141596"/>
+      </p:ext>
+    </p:extLst>
+  </p:cSld>
+  <p:clrMapOvr>
+    <a:masterClrMapping/>
+  </p:clrMapOvr>
+</p:sld>
+</file>
+
+<file path=ppt/slides/slide15.xml><?xml version="1.0" encoding="utf-8"?>
+<p:sld xmlns:a="http://schemas.openxmlformats.org/drawingml/2006/main" xmlns:r="http://schemas.openxmlformats.org/officeDocument/2006/relationships" xmlns:p="http://schemas.openxmlformats.org/presentationml/2006/main">
+  <p:cSld>
+    <p:spTree>
+      <p:nvGrpSpPr>
+        <p:cNvPr id="1" name=""/>
+        <p:cNvGrpSpPr/>
+        <p:nvPr/>
+      </p:nvGrpSpPr>
+      <p:grpSpPr>
+        <a:xfrm>
+          <a:off x="0" y="0"/>
+          <a:ext cx="0" cy="0"/>
+          <a:chOff x="0" y="0"/>
+          <a:chExt cx="0" cy="0"/>
+        </a:xfrm>
+      </p:grpSpPr>
+      <p:pic>
+        <p:nvPicPr>
+          <p:cNvPr id="5" name="Imagen 4">
+            <a:extLst>
+              <a:ext uri="{FF2B5EF4-FFF2-40B4-BE49-F238E27FC236}">
+                <a16:creationId xmlns:a16="http://schemas.microsoft.com/office/drawing/2014/main" id="{0EE4BC84-FAD2-4114-8B12-E66D52E6677B}"/>
+              </a:ext>
+            </a:extLst>
+          </p:cNvPr>
+          <p:cNvPicPr>
+            <a:picLocks noChangeAspect="1"/>
+          </p:cNvPicPr>
+          <p:nvPr/>
+        </p:nvPicPr>
+        <p:blipFill>
+          <a:blip r:embed="rId2">
+            <a:extLst>
+              <a:ext uri="{28A0092B-C50C-407E-A947-70E740481C1C}">
+                <a14:useLocalDpi xmlns:a14="http://schemas.microsoft.com/office/drawing/2010/main" val="0"/>
+              </a:ext>
+            </a:extLst>
+          </a:blip>
+          <a:stretch>
+            <a:fillRect/>
+          </a:stretch>
+        </p:blipFill>
+        <p:spPr>
+          <a:xfrm>
+            <a:off x="790681" y="284205"/>
+            <a:ext cx="10160000" cy="4152900"/>
+          </a:xfrm>
+          <a:prstGeom prst="rect">
+            <a:avLst/>
+          </a:prstGeom>
+        </p:spPr>
+      </p:pic>
+      <p:pic>
+        <p:nvPicPr>
+          <p:cNvPr id="8" name="Imagen 7">
+            <a:extLst>
+              <a:ext uri="{FF2B5EF4-FFF2-40B4-BE49-F238E27FC236}">
+                <a16:creationId xmlns:a16="http://schemas.microsoft.com/office/drawing/2014/main" id="{F8C0388E-2800-4603-A23C-F05081BEDDB6}"/>
+              </a:ext>
+            </a:extLst>
+          </p:cNvPr>
+          <p:cNvPicPr>
+            <a:picLocks noChangeAspect="1"/>
+          </p:cNvPicPr>
+          <p:nvPr/>
+        </p:nvPicPr>
+        <p:blipFill rotWithShape="1">
+          <a:blip r:embed="rId3"/>
+          <a:srcRect l="18446" t="30982" r="22973" b="37651"/>
+          <a:stretch/>
+        </p:blipFill>
+        <p:spPr>
+          <a:xfrm>
+            <a:off x="1241319" y="3650907"/>
+            <a:ext cx="9709362" cy="2922888"/>
+          </a:xfrm>
+          <a:prstGeom prst="rect">
+            <a:avLst/>
+          </a:prstGeom>
+        </p:spPr>
+      </p:pic>
+    </p:spTree>
+    <p:extLst>
+      <p:ext uri="{BB962C8B-B14F-4D97-AF65-F5344CB8AC3E}">
+        <p14:creationId xmlns:p14="http://schemas.microsoft.com/office/powerpoint/2010/main" val="2716657735"/>
       </p:ext>
     </p:extLst>
   </p:cSld>
